--- a/Présentation1.pptx
+++ b/Présentation1.pptx
@@ -7,6 +7,7 @@
   <p:sldIdLst>
     <p:sldId id="256" r:id="rId2"/>
     <p:sldId id="257" r:id="rId3"/>
+    <p:sldId id="258" r:id="rId4"/>
   </p:sldIdLst>
   <p:sldSz cx="12192000" cy="6858000"/>
   <p:notesSz cx="6858000" cy="9144000"/>
@@ -244,7 +245,7 @@
           <a:p>
             <a:fld id="{7E1482C9-55F9-4A8C-8F8A-D3B5C15F47E4}" type="datetimeFigureOut">
               <a:rPr lang="fr-FR" smtClean="0"/>
-              <a:t>27/04/2017</a:t>
+              <a:t>11/05/2017</a:t>
             </a:fld>
             <a:endParaRPr lang="fr-FR"/>
           </a:p>
@@ -414,7 +415,7 @@
           <a:p>
             <a:fld id="{7E1482C9-55F9-4A8C-8F8A-D3B5C15F47E4}" type="datetimeFigureOut">
               <a:rPr lang="fr-FR" smtClean="0"/>
-              <a:t>27/04/2017</a:t>
+              <a:t>11/05/2017</a:t>
             </a:fld>
             <a:endParaRPr lang="fr-FR"/>
           </a:p>
@@ -594,7 +595,7 @@
           <a:p>
             <a:fld id="{7E1482C9-55F9-4A8C-8F8A-D3B5C15F47E4}" type="datetimeFigureOut">
               <a:rPr lang="fr-FR" smtClean="0"/>
-              <a:t>27/04/2017</a:t>
+              <a:t>11/05/2017</a:t>
             </a:fld>
             <a:endParaRPr lang="fr-FR"/>
           </a:p>
@@ -764,7 +765,7 @@
           <a:p>
             <a:fld id="{7E1482C9-55F9-4A8C-8F8A-D3B5C15F47E4}" type="datetimeFigureOut">
               <a:rPr lang="fr-FR" smtClean="0"/>
-              <a:t>27/04/2017</a:t>
+              <a:t>11/05/2017</a:t>
             </a:fld>
             <a:endParaRPr lang="fr-FR"/>
           </a:p>
@@ -1010,7 +1011,7 @@
           <a:p>
             <a:fld id="{7E1482C9-55F9-4A8C-8F8A-D3B5C15F47E4}" type="datetimeFigureOut">
               <a:rPr lang="fr-FR" smtClean="0"/>
-              <a:t>27/04/2017</a:t>
+              <a:t>11/05/2017</a:t>
             </a:fld>
             <a:endParaRPr lang="fr-FR"/>
           </a:p>
@@ -1242,7 +1243,7 @@
           <a:p>
             <a:fld id="{7E1482C9-55F9-4A8C-8F8A-D3B5C15F47E4}" type="datetimeFigureOut">
               <a:rPr lang="fr-FR" smtClean="0"/>
-              <a:t>27/04/2017</a:t>
+              <a:t>11/05/2017</a:t>
             </a:fld>
             <a:endParaRPr lang="fr-FR"/>
           </a:p>
@@ -1609,7 +1610,7 @@
           <a:p>
             <a:fld id="{7E1482C9-55F9-4A8C-8F8A-D3B5C15F47E4}" type="datetimeFigureOut">
               <a:rPr lang="fr-FR" smtClean="0"/>
-              <a:t>27/04/2017</a:t>
+              <a:t>11/05/2017</a:t>
             </a:fld>
             <a:endParaRPr lang="fr-FR"/>
           </a:p>
@@ -1727,7 +1728,7 @@
           <a:p>
             <a:fld id="{7E1482C9-55F9-4A8C-8F8A-D3B5C15F47E4}" type="datetimeFigureOut">
               <a:rPr lang="fr-FR" smtClean="0"/>
-              <a:t>27/04/2017</a:t>
+              <a:t>11/05/2017</a:t>
             </a:fld>
             <a:endParaRPr lang="fr-FR"/>
           </a:p>
@@ -1822,7 +1823,7 @@
           <a:p>
             <a:fld id="{7E1482C9-55F9-4A8C-8F8A-D3B5C15F47E4}" type="datetimeFigureOut">
               <a:rPr lang="fr-FR" smtClean="0"/>
-              <a:t>27/04/2017</a:t>
+              <a:t>11/05/2017</a:t>
             </a:fld>
             <a:endParaRPr lang="fr-FR"/>
           </a:p>
@@ -2099,7 +2100,7 @@
           <a:p>
             <a:fld id="{7E1482C9-55F9-4A8C-8F8A-D3B5C15F47E4}" type="datetimeFigureOut">
               <a:rPr lang="fr-FR" smtClean="0"/>
-              <a:t>27/04/2017</a:t>
+              <a:t>11/05/2017</a:t>
             </a:fld>
             <a:endParaRPr lang="fr-FR"/>
           </a:p>
@@ -2352,7 +2353,7 @@
           <a:p>
             <a:fld id="{7E1482C9-55F9-4A8C-8F8A-D3B5C15F47E4}" type="datetimeFigureOut">
               <a:rPr lang="fr-FR" smtClean="0"/>
-              <a:t>27/04/2017</a:t>
+              <a:t>11/05/2017</a:t>
             </a:fld>
             <a:endParaRPr lang="fr-FR"/>
           </a:p>
@@ -2565,7 +2566,7 @@
           <a:p>
             <a:fld id="{7E1482C9-55F9-4A8C-8F8A-D3B5C15F47E4}" type="datetimeFigureOut">
               <a:rPr lang="fr-FR" smtClean="0"/>
-              <a:t>27/04/2017</a:t>
+              <a:t>11/05/2017</a:t>
             </a:fld>
             <a:endParaRPr lang="fr-FR"/>
           </a:p>
@@ -5738,6 +5739,1652 @@
 </p:sld>
 </file>
 
+<file path=ppt/slides/slide3.xml><?xml version="1.0" encoding="utf-8"?>
+<p:sld xmlns:a="http://schemas.openxmlformats.org/drawingml/2006/main" xmlns:r="http://schemas.openxmlformats.org/officeDocument/2006/relationships" xmlns:p="http://schemas.openxmlformats.org/presentationml/2006/main">
+  <p:cSld>
+    <p:spTree>
+      <p:nvGrpSpPr>
+        <p:cNvPr id="1" name=""/>
+        <p:cNvGrpSpPr/>
+        <p:nvPr/>
+      </p:nvGrpSpPr>
+      <p:grpSpPr>
+        <a:xfrm>
+          <a:off x="0" y="0"/>
+          <a:ext cx="0" cy="0"/>
+          <a:chOff x="0" y="0"/>
+          <a:chExt cx="0" cy="0"/>
+        </a:xfrm>
+      </p:grpSpPr>
+      <p:sp>
+        <p:nvSpPr>
+          <p:cNvPr id="4" name="Rectangle 3"/>
+          <p:cNvSpPr/>
+          <p:nvPr/>
+        </p:nvSpPr>
+        <p:spPr>
+          <a:xfrm>
+            <a:off x="493614" y="428878"/>
+            <a:ext cx="2791752" cy="2791752"/>
+          </a:xfrm>
+          <a:prstGeom prst="rect">
+            <a:avLst/>
+          </a:prstGeom>
+          <a:solidFill>
+            <a:schemeClr val="bg1"/>
+          </a:solidFill>
+          <a:ln>
+            <a:solidFill>
+              <a:schemeClr val="tx1"/>
+            </a:solidFill>
+          </a:ln>
+        </p:spPr>
+        <p:style>
+          <a:lnRef idx="2">
+            <a:schemeClr val="accent1">
+              <a:shade val="50000"/>
+            </a:schemeClr>
+          </a:lnRef>
+          <a:fillRef idx="1">
+            <a:schemeClr val="accent1"/>
+          </a:fillRef>
+          <a:effectRef idx="0">
+            <a:schemeClr val="accent1"/>
+          </a:effectRef>
+          <a:fontRef idx="minor">
+            <a:schemeClr val="lt1"/>
+          </a:fontRef>
+        </p:style>
+        <p:txBody>
+          <a:bodyPr rtlCol="0" anchor="ctr"/>
+          <a:lstStyle/>
+          <a:p>
+            <a:pPr algn="ctr"/>
+            <a:endParaRPr lang="fr-FR" dirty="0"/>
+          </a:p>
+        </p:txBody>
+      </p:sp>
+      <p:sp>
+        <p:nvSpPr>
+          <p:cNvPr id="13" name="Rectangle 12"/>
+          <p:cNvSpPr/>
+          <p:nvPr/>
+        </p:nvSpPr>
+        <p:spPr>
+          <a:xfrm>
+            <a:off x="493614" y="428878"/>
+            <a:ext cx="2767476" cy="369332"/>
+          </a:xfrm>
+          <a:prstGeom prst="rect">
+            <a:avLst/>
+          </a:prstGeom>
+        </p:spPr>
+        <p:style>
+          <a:lnRef idx="2">
+            <a:schemeClr val="accent1">
+              <a:shade val="50000"/>
+            </a:schemeClr>
+          </a:lnRef>
+          <a:fillRef idx="1">
+            <a:schemeClr val="accent1"/>
+          </a:fillRef>
+          <a:effectRef idx="0">
+            <a:schemeClr val="accent1"/>
+          </a:effectRef>
+          <a:fontRef idx="minor">
+            <a:schemeClr val="lt1"/>
+          </a:fontRef>
+        </p:style>
+        <p:txBody>
+          <a:bodyPr rtlCol="0" anchor="ctr"/>
+          <a:lstStyle/>
+          <a:p>
+            <a:pPr algn="ctr"/>
+            <a:endParaRPr lang="fr-FR"/>
+          </a:p>
+        </p:txBody>
+      </p:sp>
+      <p:sp>
+        <p:nvSpPr>
+          <p:cNvPr id="5" name="ZoneTexte 4"/>
+          <p:cNvSpPr txBox="1"/>
+          <p:nvPr/>
+        </p:nvSpPr>
+        <p:spPr>
+          <a:xfrm>
+            <a:off x="1448473" y="428878"/>
+            <a:ext cx="1011505" cy="369332"/>
+          </a:xfrm>
+          <a:prstGeom prst="rect">
+            <a:avLst/>
+          </a:prstGeom>
+          <a:noFill/>
+        </p:spPr>
+        <p:txBody>
+          <a:bodyPr wrap="square" rtlCol="0">
+            <a:spAutoFit/>
+          </a:bodyPr>
+          <a:lstStyle/>
+          <a:p>
+            <a:r>
+              <a:rPr lang="fr-FR" dirty="0" smtClean="0"/>
+              <a:t>Timing</a:t>
+            </a:r>
+            <a:endParaRPr lang="fr-FR" dirty="0"/>
+          </a:p>
+        </p:txBody>
+      </p:sp>
+      <p:sp>
+        <p:nvSpPr>
+          <p:cNvPr id="14" name="Rectangle 13"/>
+          <p:cNvSpPr/>
+          <p:nvPr/>
+        </p:nvSpPr>
+        <p:spPr>
+          <a:xfrm>
+            <a:off x="904093" y="1172934"/>
+            <a:ext cx="1909721" cy="1746550"/>
+          </a:xfrm>
+          <a:prstGeom prst="rect">
+            <a:avLst/>
+          </a:prstGeom>
+          <a:solidFill>
+            <a:schemeClr val="bg2"/>
+          </a:solidFill>
+        </p:spPr>
+        <p:style>
+          <a:lnRef idx="2">
+            <a:schemeClr val="accent3">
+              <a:shade val="50000"/>
+            </a:schemeClr>
+          </a:lnRef>
+          <a:fillRef idx="1">
+            <a:schemeClr val="accent3"/>
+          </a:fillRef>
+          <a:effectRef idx="0">
+            <a:schemeClr val="accent3"/>
+          </a:effectRef>
+          <a:fontRef idx="minor">
+            <a:schemeClr val="lt1"/>
+          </a:fontRef>
+        </p:style>
+        <p:txBody>
+          <a:bodyPr rtlCol="0" anchor="ctr"/>
+          <a:lstStyle/>
+          <a:p>
+            <a:pPr algn="ctr"/>
+            <a:endParaRPr lang="fr-FR"/>
+          </a:p>
+        </p:txBody>
+      </p:sp>
+      <p:pic>
+        <p:nvPicPr>
+          <p:cNvPr id="6" name="Image 5"/>
+          <p:cNvPicPr>
+            <a:picLocks noChangeAspect="1"/>
+          </p:cNvPicPr>
+          <p:nvPr/>
+        </p:nvPicPr>
+        <p:blipFill>
+          <a:blip r:embed="rId2" cstate="print">
+            <a:extLst>
+              <a:ext uri="{28A0092B-C50C-407E-A947-70E740481C1C}">
+                <a14:useLocalDpi xmlns:a14="http://schemas.microsoft.com/office/drawing/2010/main" val="0"/>
+              </a:ext>
+            </a:extLst>
+          </a:blip>
+          <a:stretch>
+            <a:fillRect/>
+          </a:stretch>
+        </p:blipFill>
+        <p:spPr>
+          <a:xfrm rot="18452669">
+            <a:off x="1356241" y="1785161"/>
+            <a:ext cx="894739" cy="894739"/>
+          </a:xfrm>
+          <a:prstGeom prst="rect">
+            <a:avLst/>
+          </a:prstGeom>
+        </p:spPr>
+      </p:pic>
+      <p:sp>
+        <p:nvSpPr>
+          <p:cNvPr id="15" name="ZoneTexte 14"/>
+          <p:cNvSpPr txBox="1"/>
+          <p:nvPr/>
+        </p:nvSpPr>
+        <p:spPr>
+          <a:xfrm>
+            <a:off x="904093" y="936655"/>
+            <a:ext cx="544380" cy="307777"/>
+          </a:xfrm>
+          <a:prstGeom prst="rect">
+            <a:avLst/>
+          </a:prstGeom>
+          <a:noFill/>
+        </p:spPr>
+        <p:txBody>
+          <a:bodyPr wrap="none" rtlCol="0">
+            <a:spAutoFit/>
+          </a:bodyPr>
+          <a:lstStyle/>
+          <a:p>
+            <a:r>
+              <a:rPr lang="fr-FR" sz="1400" dirty="0" smtClean="0"/>
+              <a:t>Zone</a:t>
+            </a:r>
+          </a:p>
+        </p:txBody>
+      </p:sp>
+      <p:pic>
+        <p:nvPicPr>
+          <p:cNvPr id="16" name="Image 15"/>
+          <p:cNvPicPr>
+            <a:picLocks noChangeAspect="1"/>
+          </p:cNvPicPr>
+          <p:nvPr/>
+        </p:nvPicPr>
+        <p:blipFill>
+          <a:blip r:embed="rId3" cstate="print">
+            <a:extLst>
+              <a:ext uri="{28A0092B-C50C-407E-A947-70E740481C1C}">
+                <a14:useLocalDpi xmlns:a14="http://schemas.microsoft.com/office/drawing/2010/main" val="0"/>
+              </a:ext>
+            </a:extLst>
+          </a:blip>
+          <a:stretch>
+            <a:fillRect/>
+          </a:stretch>
+        </p:blipFill>
+        <p:spPr>
+          <a:xfrm>
+            <a:off x="1176283" y="1266337"/>
+            <a:ext cx="446657" cy="446657"/>
+          </a:xfrm>
+          <a:prstGeom prst="rect">
+            <a:avLst/>
+          </a:prstGeom>
+        </p:spPr>
+      </p:pic>
+      <p:sp>
+        <p:nvSpPr>
+          <p:cNvPr id="17" name="Rectangle 16"/>
+          <p:cNvSpPr/>
+          <p:nvPr/>
+        </p:nvSpPr>
+        <p:spPr>
+          <a:xfrm>
+            <a:off x="3527020" y="428878"/>
+            <a:ext cx="2791752" cy="2791752"/>
+          </a:xfrm>
+          <a:prstGeom prst="rect">
+            <a:avLst/>
+          </a:prstGeom>
+          <a:solidFill>
+            <a:schemeClr val="bg1"/>
+          </a:solidFill>
+          <a:ln>
+            <a:solidFill>
+              <a:schemeClr val="tx1"/>
+            </a:solidFill>
+          </a:ln>
+        </p:spPr>
+        <p:style>
+          <a:lnRef idx="2">
+            <a:schemeClr val="accent1">
+              <a:shade val="50000"/>
+            </a:schemeClr>
+          </a:lnRef>
+          <a:fillRef idx="1">
+            <a:schemeClr val="accent1"/>
+          </a:fillRef>
+          <a:effectRef idx="0">
+            <a:schemeClr val="accent1"/>
+          </a:effectRef>
+          <a:fontRef idx="minor">
+            <a:schemeClr val="lt1"/>
+          </a:fontRef>
+        </p:style>
+        <p:txBody>
+          <a:bodyPr rtlCol="0" anchor="ctr"/>
+          <a:lstStyle/>
+          <a:p>
+            <a:pPr algn="ctr"/>
+            <a:endParaRPr lang="fr-FR" dirty="0"/>
+          </a:p>
+        </p:txBody>
+      </p:sp>
+      <p:sp>
+        <p:nvSpPr>
+          <p:cNvPr id="18" name="Rectangle 17"/>
+          <p:cNvSpPr/>
+          <p:nvPr/>
+        </p:nvSpPr>
+        <p:spPr>
+          <a:xfrm>
+            <a:off x="3527020" y="428878"/>
+            <a:ext cx="2767476" cy="369332"/>
+          </a:xfrm>
+          <a:prstGeom prst="rect">
+            <a:avLst/>
+          </a:prstGeom>
+        </p:spPr>
+        <p:style>
+          <a:lnRef idx="2">
+            <a:schemeClr val="accent1">
+              <a:shade val="50000"/>
+            </a:schemeClr>
+          </a:lnRef>
+          <a:fillRef idx="1">
+            <a:schemeClr val="accent1"/>
+          </a:fillRef>
+          <a:effectRef idx="0">
+            <a:schemeClr val="accent1"/>
+          </a:effectRef>
+          <a:fontRef idx="minor">
+            <a:schemeClr val="lt1"/>
+          </a:fontRef>
+        </p:style>
+        <p:txBody>
+          <a:bodyPr rtlCol="0" anchor="ctr"/>
+          <a:lstStyle/>
+          <a:p>
+            <a:pPr algn="ctr"/>
+            <a:endParaRPr lang="fr-FR"/>
+          </a:p>
+        </p:txBody>
+      </p:sp>
+      <p:sp>
+        <p:nvSpPr>
+          <p:cNvPr id="19" name="ZoneTexte 18"/>
+          <p:cNvSpPr txBox="1"/>
+          <p:nvPr/>
+        </p:nvSpPr>
+        <p:spPr>
+          <a:xfrm>
+            <a:off x="4481879" y="428878"/>
+            <a:ext cx="1011505" cy="369332"/>
+          </a:xfrm>
+          <a:prstGeom prst="rect">
+            <a:avLst/>
+          </a:prstGeom>
+          <a:noFill/>
+        </p:spPr>
+        <p:txBody>
+          <a:bodyPr wrap="square" rtlCol="0">
+            <a:spAutoFit/>
+          </a:bodyPr>
+          <a:lstStyle/>
+          <a:p>
+            <a:r>
+              <a:rPr lang="fr-FR" dirty="0" smtClean="0"/>
+              <a:t>Buffer in</a:t>
+            </a:r>
+            <a:endParaRPr lang="fr-FR" dirty="0"/>
+          </a:p>
+        </p:txBody>
+      </p:sp>
+      <p:sp>
+        <p:nvSpPr>
+          <p:cNvPr id="20" name="Rectangle 19"/>
+          <p:cNvSpPr/>
+          <p:nvPr/>
+        </p:nvSpPr>
+        <p:spPr>
+          <a:xfrm>
+            <a:off x="3749549" y="1244432"/>
+            <a:ext cx="1194686" cy="1675052"/>
+          </a:xfrm>
+          <a:prstGeom prst="rect">
+            <a:avLst/>
+          </a:prstGeom>
+          <a:solidFill>
+            <a:schemeClr val="bg2"/>
+          </a:solidFill>
+        </p:spPr>
+        <p:style>
+          <a:lnRef idx="2">
+            <a:schemeClr val="accent3">
+              <a:shade val="50000"/>
+            </a:schemeClr>
+          </a:lnRef>
+          <a:fillRef idx="1">
+            <a:schemeClr val="accent3"/>
+          </a:fillRef>
+          <a:effectRef idx="0">
+            <a:schemeClr val="accent3"/>
+          </a:effectRef>
+          <a:fontRef idx="minor">
+            <a:schemeClr val="lt1"/>
+          </a:fontRef>
+        </p:style>
+        <p:txBody>
+          <a:bodyPr rtlCol="0" anchor="ctr"/>
+          <a:lstStyle/>
+          <a:p>
+            <a:pPr algn="ctr"/>
+            <a:endParaRPr lang="fr-FR"/>
+          </a:p>
+        </p:txBody>
+      </p:sp>
+      <p:pic>
+        <p:nvPicPr>
+          <p:cNvPr id="21" name="Image 20"/>
+          <p:cNvPicPr>
+            <a:picLocks noChangeAspect="1"/>
+          </p:cNvPicPr>
+          <p:nvPr/>
+        </p:nvPicPr>
+        <p:blipFill>
+          <a:blip r:embed="rId2" cstate="print">
+            <a:extLst>
+              <a:ext uri="{28A0092B-C50C-407E-A947-70E740481C1C}">
+                <a14:useLocalDpi xmlns:a14="http://schemas.microsoft.com/office/drawing/2010/main" val="0"/>
+              </a:ext>
+            </a:extLst>
+          </a:blip>
+          <a:stretch>
+            <a:fillRect/>
+          </a:stretch>
+        </p:blipFill>
+        <p:spPr>
+          <a:xfrm rot="16200000">
+            <a:off x="5298889" y="1678120"/>
+            <a:ext cx="894739" cy="894739"/>
+          </a:xfrm>
+          <a:prstGeom prst="rect">
+            <a:avLst/>
+          </a:prstGeom>
+        </p:spPr>
+      </p:pic>
+      <p:sp>
+        <p:nvSpPr>
+          <p:cNvPr id="22" name="ZoneTexte 21"/>
+          <p:cNvSpPr txBox="1"/>
+          <p:nvPr/>
+        </p:nvSpPr>
+        <p:spPr>
+          <a:xfrm>
+            <a:off x="3749548" y="958560"/>
+            <a:ext cx="544380" cy="307777"/>
+          </a:xfrm>
+          <a:prstGeom prst="rect">
+            <a:avLst/>
+          </a:prstGeom>
+          <a:noFill/>
+        </p:spPr>
+        <p:txBody>
+          <a:bodyPr wrap="none" rtlCol="0">
+            <a:spAutoFit/>
+          </a:bodyPr>
+          <a:lstStyle/>
+          <a:p>
+            <a:r>
+              <a:rPr lang="fr-FR" sz="1400" dirty="0" smtClean="0"/>
+              <a:t>Zone</a:t>
+            </a:r>
+          </a:p>
+        </p:txBody>
+      </p:sp>
+      <p:sp>
+        <p:nvSpPr>
+          <p:cNvPr id="50" name="Flèche gauche 49"/>
+          <p:cNvSpPr/>
+          <p:nvPr/>
+        </p:nvSpPr>
+        <p:spPr>
+          <a:xfrm>
+            <a:off x="4677003" y="2027055"/>
+            <a:ext cx="621256" cy="196870"/>
+          </a:xfrm>
+          <a:prstGeom prst="leftArrow">
+            <a:avLst/>
+          </a:prstGeom>
+        </p:spPr>
+        <p:style>
+          <a:lnRef idx="2">
+            <a:schemeClr val="accent1">
+              <a:shade val="50000"/>
+            </a:schemeClr>
+          </a:lnRef>
+          <a:fillRef idx="1">
+            <a:schemeClr val="accent1"/>
+          </a:fillRef>
+          <a:effectRef idx="0">
+            <a:schemeClr val="accent1"/>
+          </a:effectRef>
+          <a:fontRef idx="minor">
+            <a:schemeClr val="lt1"/>
+          </a:fontRef>
+        </p:style>
+        <p:txBody>
+          <a:bodyPr rtlCol="0" anchor="ctr"/>
+          <a:lstStyle/>
+          <a:p>
+            <a:pPr algn="ctr"/>
+            <a:endParaRPr lang="fr-FR"/>
+          </a:p>
+        </p:txBody>
+      </p:sp>
+      <p:sp>
+        <p:nvSpPr>
+          <p:cNvPr id="51" name="Rectangle 50"/>
+          <p:cNvSpPr/>
+          <p:nvPr/>
+        </p:nvSpPr>
+        <p:spPr>
+          <a:xfrm>
+            <a:off x="6649150" y="428878"/>
+            <a:ext cx="2791752" cy="2791752"/>
+          </a:xfrm>
+          <a:prstGeom prst="rect">
+            <a:avLst/>
+          </a:prstGeom>
+          <a:solidFill>
+            <a:schemeClr val="bg1"/>
+          </a:solidFill>
+          <a:ln>
+            <a:solidFill>
+              <a:schemeClr val="tx1"/>
+            </a:solidFill>
+          </a:ln>
+        </p:spPr>
+        <p:style>
+          <a:lnRef idx="2">
+            <a:schemeClr val="accent1">
+              <a:shade val="50000"/>
+            </a:schemeClr>
+          </a:lnRef>
+          <a:fillRef idx="1">
+            <a:schemeClr val="accent1"/>
+          </a:fillRef>
+          <a:effectRef idx="0">
+            <a:schemeClr val="accent1"/>
+          </a:effectRef>
+          <a:fontRef idx="minor">
+            <a:schemeClr val="lt1"/>
+          </a:fontRef>
+        </p:style>
+        <p:txBody>
+          <a:bodyPr rtlCol="0" anchor="ctr"/>
+          <a:lstStyle/>
+          <a:p>
+            <a:pPr algn="ctr"/>
+            <a:endParaRPr lang="fr-FR" dirty="0"/>
+          </a:p>
+        </p:txBody>
+      </p:sp>
+      <p:sp>
+        <p:nvSpPr>
+          <p:cNvPr id="52" name="Rectangle 51"/>
+          <p:cNvSpPr/>
+          <p:nvPr/>
+        </p:nvSpPr>
+        <p:spPr>
+          <a:xfrm>
+            <a:off x="6649150" y="428878"/>
+            <a:ext cx="2767476" cy="369332"/>
+          </a:xfrm>
+          <a:prstGeom prst="rect">
+            <a:avLst/>
+          </a:prstGeom>
+        </p:spPr>
+        <p:style>
+          <a:lnRef idx="2">
+            <a:schemeClr val="accent1">
+              <a:shade val="50000"/>
+            </a:schemeClr>
+          </a:lnRef>
+          <a:fillRef idx="1">
+            <a:schemeClr val="accent1"/>
+          </a:fillRef>
+          <a:effectRef idx="0">
+            <a:schemeClr val="accent1"/>
+          </a:effectRef>
+          <a:fontRef idx="minor">
+            <a:schemeClr val="lt1"/>
+          </a:fontRef>
+        </p:style>
+        <p:txBody>
+          <a:bodyPr rtlCol="0" anchor="ctr"/>
+          <a:lstStyle/>
+          <a:p>
+            <a:pPr algn="ctr"/>
+            <a:endParaRPr lang="fr-FR"/>
+          </a:p>
+        </p:txBody>
+      </p:sp>
+      <p:sp>
+        <p:nvSpPr>
+          <p:cNvPr id="53" name="ZoneTexte 52"/>
+          <p:cNvSpPr txBox="1"/>
+          <p:nvPr/>
+        </p:nvSpPr>
+        <p:spPr>
+          <a:xfrm>
+            <a:off x="7490544" y="428878"/>
+            <a:ext cx="1341883" cy="369332"/>
+          </a:xfrm>
+          <a:prstGeom prst="rect">
+            <a:avLst/>
+          </a:prstGeom>
+          <a:noFill/>
+        </p:spPr>
+        <p:txBody>
+          <a:bodyPr wrap="square" rtlCol="0">
+            <a:spAutoFit/>
+          </a:bodyPr>
+          <a:lstStyle/>
+          <a:p>
+            <a:r>
+              <a:rPr lang="fr-FR" dirty="0" smtClean="0"/>
+              <a:t>Buffer out</a:t>
+            </a:r>
+            <a:endParaRPr lang="fr-FR" dirty="0"/>
+          </a:p>
+        </p:txBody>
+      </p:sp>
+      <p:sp>
+        <p:nvSpPr>
+          <p:cNvPr id="54" name="Rectangle 53"/>
+          <p:cNvSpPr/>
+          <p:nvPr/>
+        </p:nvSpPr>
+        <p:spPr>
+          <a:xfrm>
+            <a:off x="7396120" y="1244433"/>
+            <a:ext cx="1907217" cy="1675052"/>
+          </a:xfrm>
+          <a:prstGeom prst="rect">
+            <a:avLst/>
+          </a:prstGeom>
+          <a:solidFill>
+            <a:schemeClr val="bg2"/>
+          </a:solidFill>
+        </p:spPr>
+        <p:style>
+          <a:lnRef idx="2">
+            <a:schemeClr val="accent3">
+              <a:shade val="50000"/>
+            </a:schemeClr>
+          </a:lnRef>
+          <a:fillRef idx="1">
+            <a:schemeClr val="accent3"/>
+          </a:fillRef>
+          <a:effectRef idx="0">
+            <a:schemeClr val="accent3"/>
+          </a:effectRef>
+          <a:fontRef idx="minor">
+            <a:schemeClr val="lt1"/>
+          </a:fontRef>
+        </p:style>
+        <p:txBody>
+          <a:bodyPr rtlCol="0" anchor="ctr"/>
+          <a:lstStyle/>
+          <a:p>
+            <a:pPr algn="ctr"/>
+            <a:endParaRPr lang="fr-FR"/>
+          </a:p>
+        </p:txBody>
+      </p:sp>
+      <p:pic>
+        <p:nvPicPr>
+          <p:cNvPr id="55" name="Image 54"/>
+          <p:cNvPicPr>
+            <a:picLocks noChangeAspect="1"/>
+          </p:cNvPicPr>
+          <p:nvPr/>
+        </p:nvPicPr>
+        <p:blipFill>
+          <a:blip r:embed="rId2" cstate="print">
+            <a:extLst>
+              <a:ext uri="{28A0092B-C50C-407E-A947-70E740481C1C}">
+                <a14:useLocalDpi xmlns:a14="http://schemas.microsoft.com/office/drawing/2010/main" val="0"/>
+              </a:ext>
+            </a:extLst>
+          </a:blip>
+          <a:stretch>
+            <a:fillRect/>
+          </a:stretch>
+        </p:blipFill>
+        <p:spPr>
+          <a:xfrm rot="16200000">
+            <a:off x="7714117" y="1672333"/>
+            <a:ext cx="894739" cy="894739"/>
+          </a:xfrm>
+          <a:prstGeom prst="rect">
+            <a:avLst/>
+          </a:prstGeom>
+        </p:spPr>
+      </p:pic>
+      <p:sp>
+        <p:nvSpPr>
+          <p:cNvPr id="56" name="ZoneTexte 55"/>
+          <p:cNvSpPr txBox="1"/>
+          <p:nvPr/>
+        </p:nvSpPr>
+        <p:spPr>
+          <a:xfrm>
+            <a:off x="7396120" y="958559"/>
+            <a:ext cx="544380" cy="307777"/>
+          </a:xfrm>
+          <a:prstGeom prst="rect">
+            <a:avLst/>
+          </a:prstGeom>
+          <a:noFill/>
+        </p:spPr>
+        <p:txBody>
+          <a:bodyPr wrap="none" rtlCol="0">
+            <a:spAutoFit/>
+          </a:bodyPr>
+          <a:lstStyle/>
+          <a:p>
+            <a:r>
+              <a:rPr lang="fr-FR" sz="1400" dirty="0" smtClean="0"/>
+              <a:t>Zone</a:t>
+            </a:r>
+          </a:p>
+        </p:txBody>
+      </p:sp>
+      <p:sp>
+        <p:nvSpPr>
+          <p:cNvPr id="57" name="Flèche gauche 56"/>
+          <p:cNvSpPr/>
+          <p:nvPr/>
+        </p:nvSpPr>
+        <p:spPr>
+          <a:xfrm>
+            <a:off x="6982753" y="2010460"/>
+            <a:ext cx="621256" cy="196870"/>
+          </a:xfrm>
+          <a:prstGeom prst="leftArrow">
+            <a:avLst/>
+          </a:prstGeom>
+        </p:spPr>
+        <p:style>
+          <a:lnRef idx="2">
+            <a:schemeClr val="accent1">
+              <a:shade val="50000"/>
+            </a:schemeClr>
+          </a:lnRef>
+          <a:fillRef idx="1">
+            <a:schemeClr val="accent1"/>
+          </a:fillRef>
+          <a:effectRef idx="0">
+            <a:schemeClr val="accent1"/>
+          </a:effectRef>
+          <a:fontRef idx="minor">
+            <a:schemeClr val="lt1"/>
+          </a:fontRef>
+        </p:style>
+        <p:txBody>
+          <a:bodyPr rtlCol="0" anchor="ctr"/>
+          <a:lstStyle/>
+          <a:p>
+            <a:pPr algn="ctr"/>
+            <a:endParaRPr lang="fr-FR"/>
+          </a:p>
+        </p:txBody>
+      </p:sp>
+      <p:sp>
+        <p:nvSpPr>
+          <p:cNvPr id="72" name="Rectangle 71"/>
+          <p:cNvSpPr/>
+          <p:nvPr/>
+        </p:nvSpPr>
+        <p:spPr>
+          <a:xfrm>
+            <a:off x="517890" y="3559496"/>
+            <a:ext cx="2791752" cy="2791752"/>
+          </a:xfrm>
+          <a:prstGeom prst="rect">
+            <a:avLst/>
+          </a:prstGeom>
+          <a:solidFill>
+            <a:schemeClr val="bg1"/>
+          </a:solidFill>
+          <a:ln>
+            <a:solidFill>
+              <a:schemeClr val="tx1"/>
+            </a:solidFill>
+          </a:ln>
+        </p:spPr>
+        <p:style>
+          <a:lnRef idx="2">
+            <a:schemeClr val="accent1">
+              <a:shade val="50000"/>
+            </a:schemeClr>
+          </a:lnRef>
+          <a:fillRef idx="1">
+            <a:schemeClr val="accent1"/>
+          </a:fillRef>
+          <a:effectRef idx="0">
+            <a:schemeClr val="accent1"/>
+          </a:effectRef>
+          <a:fontRef idx="minor">
+            <a:schemeClr val="lt1"/>
+          </a:fontRef>
+        </p:style>
+        <p:txBody>
+          <a:bodyPr rtlCol="0" anchor="ctr"/>
+          <a:lstStyle/>
+          <a:p>
+            <a:pPr algn="ctr"/>
+            <a:endParaRPr lang="fr-FR" dirty="0"/>
+          </a:p>
+        </p:txBody>
+      </p:sp>
+      <p:sp>
+        <p:nvSpPr>
+          <p:cNvPr id="73" name="Rectangle 72"/>
+          <p:cNvSpPr/>
+          <p:nvPr/>
+        </p:nvSpPr>
+        <p:spPr>
+          <a:xfrm>
+            <a:off x="517890" y="3559496"/>
+            <a:ext cx="2767476" cy="369332"/>
+          </a:xfrm>
+          <a:prstGeom prst="rect">
+            <a:avLst/>
+          </a:prstGeom>
+        </p:spPr>
+        <p:style>
+          <a:lnRef idx="2">
+            <a:schemeClr val="accent1">
+              <a:shade val="50000"/>
+            </a:schemeClr>
+          </a:lnRef>
+          <a:fillRef idx="1">
+            <a:schemeClr val="accent1"/>
+          </a:fillRef>
+          <a:effectRef idx="0">
+            <a:schemeClr val="accent1"/>
+          </a:effectRef>
+          <a:fontRef idx="minor">
+            <a:schemeClr val="lt1"/>
+          </a:fontRef>
+        </p:style>
+        <p:txBody>
+          <a:bodyPr rtlCol="0" anchor="ctr"/>
+          <a:lstStyle/>
+          <a:p>
+            <a:pPr algn="ctr"/>
+            <a:endParaRPr lang="fr-FR"/>
+          </a:p>
+        </p:txBody>
+      </p:sp>
+      <p:sp>
+        <p:nvSpPr>
+          <p:cNvPr id="74" name="ZoneTexte 73"/>
+          <p:cNvSpPr txBox="1"/>
+          <p:nvPr/>
+        </p:nvSpPr>
+        <p:spPr>
+          <a:xfrm>
+            <a:off x="1472749" y="3559496"/>
+            <a:ext cx="1011505" cy="369332"/>
+          </a:xfrm>
+          <a:prstGeom prst="rect">
+            <a:avLst/>
+          </a:prstGeom>
+          <a:noFill/>
+        </p:spPr>
+        <p:txBody>
+          <a:bodyPr wrap="square" rtlCol="0">
+            <a:spAutoFit/>
+          </a:bodyPr>
+          <a:lstStyle/>
+          <a:p>
+            <a:r>
+              <a:rPr lang="fr-FR" dirty="0" smtClean="0"/>
+              <a:t>Inside</a:t>
+            </a:r>
+            <a:endParaRPr lang="fr-FR" dirty="0"/>
+          </a:p>
+        </p:txBody>
+      </p:sp>
+      <p:sp>
+        <p:nvSpPr>
+          <p:cNvPr id="75" name="Rectangle 74"/>
+          <p:cNvSpPr/>
+          <p:nvPr/>
+        </p:nvSpPr>
+        <p:spPr>
+          <a:xfrm>
+            <a:off x="928369" y="4303552"/>
+            <a:ext cx="1909721" cy="1746550"/>
+          </a:xfrm>
+          <a:prstGeom prst="rect">
+            <a:avLst/>
+          </a:prstGeom>
+          <a:solidFill>
+            <a:schemeClr val="bg2"/>
+          </a:solidFill>
+        </p:spPr>
+        <p:style>
+          <a:lnRef idx="2">
+            <a:schemeClr val="accent3">
+              <a:shade val="50000"/>
+            </a:schemeClr>
+          </a:lnRef>
+          <a:fillRef idx="1">
+            <a:schemeClr val="accent3"/>
+          </a:fillRef>
+          <a:effectRef idx="0">
+            <a:schemeClr val="accent3"/>
+          </a:effectRef>
+          <a:fontRef idx="minor">
+            <a:schemeClr val="lt1"/>
+          </a:fontRef>
+        </p:style>
+        <p:txBody>
+          <a:bodyPr rtlCol="0" anchor="ctr"/>
+          <a:lstStyle/>
+          <a:p>
+            <a:pPr algn="ctr"/>
+            <a:endParaRPr lang="fr-FR"/>
+          </a:p>
+        </p:txBody>
+      </p:sp>
+      <p:pic>
+        <p:nvPicPr>
+          <p:cNvPr id="76" name="Image 75"/>
+          <p:cNvPicPr>
+            <a:picLocks noChangeAspect="1"/>
+          </p:cNvPicPr>
+          <p:nvPr/>
+        </p:nvPicPr>
+        <p:blipFill>
+          <a:blip r:embed="rId2" cstate="print">
+            <a:extLst>
+              <a:ext uri="{28A0092B-C50C-407E-A947-70E740481C1C}">
+                <a14:useLocalDpi xmlns:a14="http://schemas.microsoft.com/office/drawing/2010/main" val="0"/>
+              </a:ext>
+            </a:extLst>
+          </a:blip>
+          <a:stretch>
+            <a:fillRect/>
+          </a:stretch>
+        </p:blipFill>
+        <p:spPr>
+          <a:xfrm rot="18452669">
+            <a:off x="1380517" y="4915779"/>
+            <a:ext cx="894739" cy="894739"/>
+          </a:xfrm>
+          <a:prstGeom prst="rect">
+            <a:avLst/>
+          </a:prstGeom>
+        </p:spPr>
+      </p:pic>
+      <p:sp>
+        <p:nvSpPr>
+          <p:cNvPr id="77" name="ZoneTexte 76"/>
+          <p:cNvSpPr txBox="1"/>
+          <p:nvPr/>
+        </p:nvSpPr>
+        <p:spPr>
+          <a:xfrm>
+            <a:off x="928369" y="4067273"/>
+            <a:ext cx="544380" cy="307777"/>
+          </a:xfrm>
+          <a:prstGeom prst="rect">
+            <a:avLst/>
+          </a:prstGeom>
+          <a:noFill/>
+        </p:spPr>
+        <p:txBody>
+          <a:bodyPr wrap="none" rtlCol="0">
+            <a:spAutoFit/>
+          </a:bodyPr>
+          <a:lstStyle/>
+          <a:p>
+            <a:r>
+              <a:rPr lang="fr-FR" sz="1400" dirty="0" smtClean="0"/>
+              <a:t>Zone</a:t>
+            </a:r>
+          </a:p>
+        </p:txBody>
+      </p:sp>
+      <p:sp>
+        <p:nvSpPr>
+          <p:cNvPr id="86" name="Rectangle 85"/>
+          <p:cNvSpPr/>
+          <p:nvPr/>
+        </p:nvSpPr>
+        <p:spPr>
+          <a:xfrm>
+            <a:off x="3503848" y="3559496"/>
+            <a:ext cx="2791752" cy="2791752"/>
+          </a:xfrm>
+          <a:prstGeom prst="rect">
+            <a:avLst/>
+          </a:prstGeom>
+          <a:solidFill>
+            <a:schemeClr val="bg1"/>
+          </a:solidFill>
+          <a:ln>
+            <a:solidFill>
+              <a:schemeClr val="tx1"/>
+            </a:solidFill>
+          </a:ln>
+        </p:spPr>
+        <p:style>
+          <a:lnRef idx="2">
+            <a:schemeClr val="accent1">
+              <a:shade val="50000"/>
+            </a:schemeClr>
+          </a:lnRef>
+          <a:fillRef idx="1">
+            <a:schemeClr val="accent1"/>
+          </a:fillRef>
+          <a:effectRef idx="0">
+            <a:schemeClr val="accent1"/>
+          </a:effectRef>
+          <a:fontRef idx="minor">
+            <a:schemeClr val="lt1"/>
+          </a:fontRef>
+        </p:style>
+        <p:txBody>
+          <a:bodyPr rtlCol="0" anchor="ctr"/>
+          <a:lstStyle/>
+          <a:p>
+            <a:pPr algn="ctr"/>
+            <a:endParaRPr lang="fr-FR" dirty="0"/>
+          </a:p>
+        </p:txBody>
+      </p:sp>
+      <p:sp>
+        <p:nvSpPr>
+          <p:cNvPr id="87" name="Rectangle 86"/>
+          <p:cNvSpPr/>
+          <p:nvPr/>
+        </p:nvSpPr>
+        <p:spPr>
+          <a:xfrm>
+            <a:off x="3503848" y="3559496"/>
+            <a:ext cx="2767476" cy="369332"/>
+          </a:xfrm>
+          <a:prstGeom prst="rect">
+            <a:avLst/>
+          </a:prstGeom>
+        </p:spPr>
+        <p:style>
+          <a:lnRef idx="2">
+            <a:schemeClr val="accent1">
+              <a:shade val="50000"/>
+            </a:schemeClr>
+          </a:lnRef>
+          <a:fillRef idx="1">
+            <a:schemeClr val="accent1"/>
+          </a:fillRef>
+          <a:effectRef idx="0">
+            <a:schemeClr val="accent1"/>
+          </a:effectRef>
+          <a:fontRef idx="minor">
+            <a:schemeClr val="lt1"/>
+          </a:fontRef>
+        </p:style>
+        <p:txBody>
+          <a:bodyPr rtlCol="0" anchor="ctr"/>
+          <a:lstStyle/>
+          <a:p>
+            <a:pPr algn="ctr"/>
+            <a:endParaRPr lang="fr-FR"/>
+          </a:p>
+        </p:txBody>
+      </p:sp>
+      <p:sp>
+        <p:nvSpPr>
+          <p:cNvPr id="88" name="ZoneTexte 87"/>
+          <p:cNvSpPr txBox="1"/>
+          <p:nvPr/>
+        </p:nvSpPr>
+        <p:spPr>
+          <a:xfrm>
+            <a:off x="4458707" y="3559496"/>
+            <a:ext cx="1011505" cy="369332"/>
+          </a:xfrm>
+          <a:prstGeom prst="rect">
+            <a:avLst/>
+          </a:prstGeom>
+          <a:noFill/>
+        </p:spPr>
+        <p:txBody>
+          <a:bodyPr wrap="square" rtlCol="0">
+            <a:spAutoFit/>
+          </a:bodyPr>
+          <a:lstStyle/>
+          <a:p>
+            <a:r>
+              <a:rPr lang="fr-FR" dirty="0" err="1" smtClean="0"/>
+              <a:t>Outside</a:t>
+            </a:r>
+            <a:endParaRPr lang="fr-FR" dirty="0"/>
+          </a:p>
+        </p:txBody>
+      </p:sp>
+      <p:sp>
+        <p:nvSpPr>
+          <p:cNvPr id="89" name="Rectangle 88"/>
+          <p:cNvSpPr/>
+          <p:nvPr/>
+        </p:nvSpPr>
+        <p:spPr>
+          <a:xfrm>
+            <a:off x="3914328" y="4303552"/>
+            <a:ext cx="1458784" cy="1746550"/>
+          </a:xfrm>
+          <a:prstGeom prst="rect">
+            <a:avLst/>
+          </a:prstGeom>
+          <a:solidFill>
+            <a:schemeClr val="bg2"/>
+          </a:solidFill>
+        </p:spPr>
+        <p:style>
+          <a:lnRef idx="2">
+            <a:schemeClr val="accent3">
+              <a:shade val="50000"/>
+            </a:schemeClr>
+          </a:lnRef>
+          <a:fillRef idx="1">
+            <a:schemeClr val="accent3"/>
+          </a:fillRef>
+          <a:effectRef idx="0">
+            <a:schemeClr val="accent3"/>
+          </a:effectRef>
+          <a:fontRef idx="minor">
+            <a:schemeClr val="lt1"/>
+          </a:fontRef>
+        </p:style>
+        <p:txBody>
+          <a:bodyPr rtlCol="0" anchor="ctr"/>
+          <a:lstStyle/>
+          <a:p>
+            <a:pPr algn="ctr"/>
+            <a:endParaRPr lang="fr-FR"/>
+          </a:p>
+        </p:txBody>
+      </p:sp>
+      <p:pic>
+        <p:nvPicPr>
+          <p:cNvPr id="90" name="Image 89"/>
+          <p:cNvPicPr>
+            <a:picLocks noChangeAspect="1"/>
+          </p:cNvPicPr>
+          <p:nvPr/>
+        </p:nvPicPr>
+        <p:blipFill>
+          <a:blip r:embed="rId2" cstate="print">
+            <a:extLst>
+              <a:ext uri="{28A0092B-C50C-407E-A947-70E740481C1C}">
+                <a14:useLocalDpi xmlns:a14="http://schemas.microsoft.com/office/drawing/2010/main" val="0"/>
+              </a:ext>
+            </a:extLst>
+          </a:blip>
+          <a:stretch>
+            <a:fillRect/>
+          </a:stretch>
+        </p:blipFill>
+        <p:spPr>
+          <a:xfrm rot="18452669">
+            <a:off x="5269848" y="4836587"/>
+            <a:ext cx="894739" cy="894739"/>
+          </a:xfrm>
+          <a:prstGeom prst="rect">
+            <a:avLst/>
+          </a:prstGeom>
+        </p:spPr>
+      </p:pic>
+      <p:sp>
+        <p:nvSpPr>
+          <p:cNvPr id="91" name="ZoneTexte 90"/>
+          <p:cNvSpPr txBox="1"/>
+          <p:nvPr/>
+        </p:nvSpPr>
+        <p:spPr>
+          <a:xfrm>
+            <a:off x="3914327" y="4067273"/>
+            <a:ext cx="544380" cy="307777"/>
+          </a:xfrm>
+          <a:prstGeom prst="rect">
+            <a:avLst/>
+          </a:prstGeom>
+          <a:noFill/>
+        </p:spPr>
+        <p:txBody>
+          <a:bodyPr wrap="none" rtlCol="0">
+            <a:spAutoFit/>
+          </a:bodyPr>
+          <a:lstStyle/>
+          <a:p>
+            <a:r>
+              <a:rPr lang="fr-FR" sz="1400" dirty="0" smtClean="0"/>
+              <a:t>Zone</a:t>
+            </a:r>
+          </a:p>
+        </p:txBody>
+      </p:sp>
+      <p:pic>
+        <p:nvPicPr>
+          <p:cNvPr id="93" name="Image 92"/>
+          <p:cNvPicPr>
+            <a:picLocks noChangeAspect="1"/>
+          </p:cNvPicPr>
+          <p:nvPr/>
+        </p:nvPicPr>
+        <p:blipFill>
+          <a:blip r:embed="rId4" cstate="print">
+            <a:extLst>
+              <a:ext uri="{28A0092B-C50C-407E-A947-70E740481C1C}">
+                <a14:useLocalDpi xmlns:a14="http://schemas.microsoft.com/office/drawing/2010/main" val="0"/>
+              </a:ext>
+            </a:extLst>
+          </a:blip>
+          <a:stretch>
+            <a:fillRect/>
+          </a:stretch>
+        </p:blipFill>
+        <p:spPr>
+          <a:xfrm>
+            <a:off x="2921268" y="4982165"/>
+            <a:ext cx="305196" cy="305196"/>
+          </a:xfrm>
+          <a:prstGeom prst="rect">
+            <a:avLst/>
+          </a:prstGeom>
+        </p:spPr>
+      </p:pic>
+      <p:pic>
+        <p:nvPicPr>
+          <p:cNvPr id="94" name="Image 93"/>
+          <p:cNvPicPr>
+            <a:picLocks noChangeAspect="1"/>
+          </p:cNvPicPr>
+          <p:nvPr/>
+        </p:nvPicPr>
+        <p:blipFill>
+          <a:blip r:embed="rId5" cstate="print">
+            <a:extLst>
+              <a:ext uri="{28A0092B-C50C-407E-A947-70E740481C1C}">
+                <a14:useLocalDpi xmlns:a14="http://schemas.microsoft.com/office/drawing/2010/main" val="0"/>
+              </a:ext>
+            </a:extLst>
+          </a:blip>
+          <a:stretch>
+            <a:fillRect/>
+          </a:stretch>
+        </p:blipFill>
+        <p:spPr>
+          <a:xfrm>
+            <a:off x="1679561" y="4775980"/>
+            <a:ext cx="358783" cy="358783"/>
+          </a:xfrm>
+          <a:prstGeom prst="rect">
+            <a:avLst/>
+          </a:prstGeom>
+        </p:spPr>
+      </p:pic>
+      <p:pic>
+        <p:nvPicPr>
+          <p:cNvPr id="95" name="Image 94"/>
+          <p:cNvPicPr>
+            <a:picLocks noChangeAspect="1"/>
+          </p:cNvPicPr>
+          <p:nvPr/>
+        </p:nvPicPr>
+        <p:blipFill>
+          <a:blip r:embed="rId5" cstate="print">
+            <a:extLst>
+              <a:ext uri="{28A0092B-C50C-407E-A947-70E740481C1C}">
+                <a14:useLocalDpi xmlns:a14="http://schemas.microsoft.com/office/drawing/2010/main" val="0"/>
+              </a:ext>
+            </a:extLst>
+          </a:blip>
+          <a:stretch>
+            <a:fillRect/>
+          </a:stretch>
+        </p:blipFill>
+        <p:spPr>
+          <a:xfrm>
+            <a:off x="5438196" y="4656629"/>
+            <a:ext cx="358783" cy="358783"/>
+          </a:xfrm>
+          <a:prstGeom prst="rect">
+            <a:avLst/>
+          </a:prstGeom>
+        </p:spPr>
+      </p:pic>
+      <p:pic>
+        <p:nvPicPr>
+          <p:cNvPr id="96" name="Image 95"/>
+          <p:cNvPicPr>
+            <a:picLocks noChangeAspect="1"/>
+          </p:cNvPicPr>
+          <p:nvPr/>
+        </p:nvPicPr>
+        <p:blipFill>
+          <a:blip r:embed="rId4" cstate="print">
+            <a:extLst>
+              <a:ext uri="{28A0092B-C50C-407E-A947-70E740481C1C}">
+                <a14:useLocalDpi xmlns:a14="http://schemas.microsoft.com/office/drawing/2010/main" val="0"/>
+              </a:ext>
+            </a:extLst>
+          </a:blip>
+          <a:stretch>
+            <a:fillRect/>
+          </a:stretch>
+        </p:blipFill>
+        <p:spPr>
+          <a:xfrm>
+            <a:off x="4481879" y="4985211"/>
+            <a:ext cx="305196" cy="305196"/>
+          </a:xfrm>
+          <a:prstGeom prst="rect">
+            <a:avLst/>
+          </a:prstGeom>
+        </p:spPr>
+      </p:pic>
+      <p:sp>
+        <p:nvSpPr>
+          <p:cNvPr id="98" name="Rectangle 97"/>
+          <p:cNvSpPr/>
+          <p:nvPr/>
+        </p:nvSpPr>
+        <p:spPr>
+          <a:xfrm>
+            <a:off x="6649150" y="3559496"/>
+            <a:ext cx="2791752" cy="2791752"/>
+          </a:xfrm>
+          <a:prstGeom prst="rect">
+            <a:avLst/>
+          </a:prstGeom>
+          <a:solidFill>
+            <a:schemeClr val="bg1"/>
+          </a:solidFill>
+          <a:ln>
+            <a:solidFill>
+              <a:schemeClr val="tx1"/>
+            </a:solidFill>
+          </a:ln>
+        </p:spPr>
+        <p:style>
+          <a:lnRef idx="2">
+            <a:schemeClr val="accent1">
+              <a:shade val="50000"/>
+            </a:schemeClr>
+          </a:lnRef>
+          <a:fillRef idx="1">
+            <a:schemeClr val="accent1"/>
+          </a:fillRef>
+          <a:effectRef idx="0">
+            <a:schemeClr val="accent1"/>
+          </a:effectRef>
+          <a:fontRef idx="minor">
+            <a:schemeClr val="lt1"/>
+          </a:fontRef>
+        </p:style>
+        <p:txBody>
+          <a:bodyPr rtlCol="0" anchor="ctr"/>
+          <a:lstStyle/>
+          <a:p>
+            <a:pPr algn="ctr"/>
+            <a:endParaRPr lang="fr-FR" dirty="0"/>
+          </a:p>
+        </p:txBody>
+      </p:sp>
+      <p:sp>
+        <p:nvSpPr>
+          <p:cNvPr id="99" name="Rectangle 98"/>
+          <p:cNvSpPr/>
+          <p:nvPr/>
+        </p:nvSpPr>
+        <p:spPr>
+          <a:xfrm>
+            <a:off x="6649150" y="3559496"/>
+            <a:ext cx="2767476" cy="369332"/>
+          </a:xfrm>
+          <a:prstGeom prst="rect">
+            <a:avLst/>
+          </a:prstGeom>
+        </p:spPr>
+        <p:style>
+          <a:lnRef idx="2">
+            <a:schemeClr val="accent1">
+              <a:shade val="50000"/>
+            </a:schemeClr>
+          </a:lnRef>
+          <a:fillRef idx="1">
+            <a:schemeClr val="accent1"/>
+          </a:fillRef>
+          <a:effectRef idx="0">
+            <a:schemeClr val="accent1"/>
+          </a:effectRef>
+          <a:fontRef idx="minor">
+            <a:schemeClr val="lt1"/>
+          </a:fontRef>
+        </p:style>
+        <p:txBody>
+          <a:bodyPr rtlCol="0" anchor="ctr"/>
+          <a:lstStyle/>
+          <a:p>
+            <a:pPr algn="ctr"/>
+            <a:endParaRPr lang="fr-FR"/>
+          </a:p>
+        </p:txBody>
+      </p:sp>
+      <p:sp>
+        <p:nvSpPr>
+          <p:cNvPr id="100" name="ZoneTexte 99"/>
+          <p:cNvSpPr txBox="1"/>
+          <p:nvPr/>
+        </p:nvSpPr>
+        <p:spPr>
+          <a:xfrm>
+            <a:off x="7604009" y="3559496"/>
+            <a:ext cx="1011505" cy="369332"/>
+          </a:xfrm>
+          <a:prstGeom prst="rect">
+            <a:avLst/>
+          </a:prstGeom>
+          <a:noFill/>
+        </p:spPr>
+        <p:txBody>
+          <a:bodyPr wrap="square" rtlCol="0">
+            <a:spAutoFit/>
+          </a:bodyPr>
+          <a:lstStyle/>
+          <a:p>
+            <a:r>
+              <a:rPr lang="fr-FR" dirty="0" err="1" smtClean="0"/>
+              <a:t>Tracking</a:t>
+            </a:r>
+            <a:endParaRPr lang="fr-FR" dirty="0"/>
+          </a:p>
+        </p:txBody>
+      </p:sp>
+      <p:sp>
+        <p:nvSpPr>
+          <p:cNvPr id="101" name="Rectangle 100"/>
+          <p:cNvSpPr/>
+          <p:nvPr/>
+        </p:nvSpPr>
+        <p:spPr>
+          <a:xfrm>
+            <a:off x="7059629" y="4303552"/>
+            <a:ext cx="1909721" cy="1746550"/>
+          </a:xfrm>
+          <a:prstGeom prst="rect">
+            <a:avLst/>
+          </a:prstGeom>
+          <a:solidFill>
+            <a:schemeClr val="bg2"/>
+          </a:solidFill>
+        </p:spPr>
+        <p:style>
+          <a:lnRef idx="2">
+            <a:schemeClr val="accent3">
+              <a:shade val="50000"/>
+            </a:schemeClr>
+          </a:lnRef>
+          <a:fillRef idx="1">
+            <a:schemeClr val="accent3"/>
+          </a:fillRef>
+          <a:effectRef idx="0">
+            <a:schemeClr val="accent3"/>
+          </a:effectRef>
+          <a:fontRef idx="minor">
+            <a:schemeClr val="lt1"/>
+          </a:fontRef>
+        </p:style>
+        <p:txBody>
+          <a:bodyPr rtlCol="0" anchor="ctr"/>
+          <a:lstStyle/>
+          <a:p>
+            <a:pPr algn="ctr"/>
+            <a:endParaRPr lang="fr-FR"/>
+          </a:p>
+        </p:txBody>
+      </p:sp>
+      <p:pic>
+        <p:nvPicPr>
+          <p:cNvPr id="102" name="Image 101"/>
+          <p:cNvPicPr>
+            <a:picLocks noChangeAspect="1"/>
+          </p:cNvPicPr>
+          <p:nvPr/>
+        </p:nvPicPr>
+        <p:blipFill>
+          <a:blip r:embed="rId2" cstate="print">
+            <a:extLst>
+              <a:ext uri="{28A0092B-C50C-407E-A947-70E740481C1C}">
+                <a14:useLocalDpi xmlns:a14="http://schemas.microsoft.com/office/drawing/2010/main" val="0"/>
+              </a:ext>
+            </a:extLst>
+          </a:blip>
+          <a:stretch>
+            <a:fillRect/>
+          </a:stretch>
+        </p:blipFill>
+        <p:spPr>
+          <a:xfrm rot="18452669">
+            <a:off x="7576078" y="4345065"/>
+            <a:ext cx="894739" cy="894739"/>
+          </a:xfrm>
+          <a:prstGeom prst="rect">
+            <a:avLst/>
+          </a:prstGeom>
+        </p:spPr>
+      </p:pic>
+      <p:sp>
+        <p:nvSpPr>
+          <p:cNvPr id="103" name="ZoneTexte 102"/>
+          <p:cNvSpPr txBox="1"/>
+          <p:nvPr/>
+        </p:nvSpPr>
+        <p:spPr>
+          <a:xfrm>
+            <a:off x="7059629" y="4067273"/>
+            <a:ext cx="544380" cy="307777"/>
+          </a:xfrm>
+          <a:prstGeom prst="rect">
+            <a:avLst/>
+          </a:prstGeom>
+          <a:noFill/>
+        </p:spPr>
+        <p:txBody>
+          <a:bodyPr wrap="none" rtlCol="0">
+            <a:spAutoFit/>
+          </a:bodyPr>
+          <a:lstStyle/>
+          <a:p>
+            <a:r>
+              <a:rPr lang="fr-FR" sz="1400" dirty="0" smtClean="0"/>
+              <a:t>Zone</a:t>
+            </a:r>
+          </a:p>
+        </p:txBody>
+      </p:sp>
+      <p:cxnSp>
+        <p:nvCxnSpPr>
+          <p:cNvPr id="106" name="Connecteur droit avec flèche 105"/>
+          <p:cNvCxnSpPr/>
+          <p:nvPr/>
+        </p:nvCxnSpPr>
+        <p:spPr>
+          <a:xfrm flipV="1">
+            <a:off x="8349728" y="5015412"/>
+            <a:ext cx="1514463" cy="15484"/>
+          </a:xfrm>
+          <a:prstGeom prst="straightConnector1">
+            <a:avLst/>
+          </a:prstGeom>
+          <a:ln>
+            <a:solidFill>
+              <a:schemeClr val="tx1"/>
+            </a:solidFill>
+            <a:tailEnd type="triangle"/>
+          </a:ln>
+        </p:spPr>
+        <p:style>
+          <a:lnRef idx="3">
+            <a:schemeClr val="dk1"/>
+          </a:lnRef>
+          <a:fillRef idx="0">
+            <a:schemeClr val="dk1"/>
+          </a:fillRef>
+          <a:effectRef idx="2">
+            <a:schemeClr val="dk1"/>
+          </a:effectRef>
+          <a:fontRef idx="minor">
+            <a:schemeClr val="tx1"/>
+          </a:fontRef>
+        </p:style>
+      </p:cxnSp>
+      <p:sp>
+        <p:nvSpPr>
+          <p:cNvPr id="108" name="ZoneTexte 107"/>
+          <p:cNvSpPr txBox="1"/>
+          <p:nvPr/>
+        </p:nvSpPr>
+        <p:spPr>
+          <a:xfrm>
+            <a:off x="8955299" y="4774870"/>
+            <a:ext cx="367601" cy="276999"/>
+          </a:xfrm>
+          <a:prstGeom prst="rect">
+            <a:avLst/>
+          </a:prstGeom>
+          <a:noFill/>
+        </p:spPr>
+        <p:txBody>
+          <a:bodyPr wrap="none" rtlCol="0">
+            <a:spAutoFit/>
+          </a:bodyPr>
+          <a:lstStyle/>
+          <a:p>
+            <a:r>
+              <a:rPr lang="fr-FR" sz="1200" dirty="0" smtClean="0"/>
+              <a:t>X,Y</a:t>
+            </a:r>
+            <a:endParaRPr lang="fr-FR" sz="1200" dirty="0"/>
+          </a:p>
+        </p:txBody>
+      </p:sp>
+    </p:spTree>
+    <p:extLst>
+      <p:ext uri="{BB962C8B-B14F-4D97-AF65-F5344CB8AC3E}">
+        <p14:creationId xmlns:p14="http://schemas.microsoft.com/office/powerpoint/2010/main" val="1331428936"/>
+      </p:ext>
+    </p:extLst>
+  </p:cSld>
+  <p:clrMapOvr>
+    <a:masterClrMapping/>
+  </p:clrMapOvr>
+</p:sld>
+</file>
+
 <file path=ppt/theme/theme1.xml><?xml version="1.0" encoding="utf-8"?>
 <a:theme xmlns:a="http://schemas.openxmlformats.org/drawingml/2006/main" name="Thème Office">
   <a:themeElements>

--- a/Présentation1.pptx
+++ b/Présentation1.pptx
@@ -8,6 +8,7 @@
     <p:sldId id="256" r:id="rId2"/>
     <p:sldId id="257" r:id="rId3"/>
     <p:sldId id="258" r:id="rId4"/>
+    <p:sldId id="259" r:id="rId5"/>
   </p:sldIdLst>
   <p:sldSz cx="12192000" cy="6858000"/>
   <p:notesSz cx="6858000" cy="9144000"/>
@@ -245,7 +246,7 @@
           <a:p>
             <a:fld id="{7E1482C9-55F9-4A8C-8F8A-D3B5C15F47E4}" type="datetimeFigureOut">
               <a:rPr lang="fr-FR" smtClean="0"/>
-              <a:t>11/05/2017</a:t>
+              <a:t>14/05/2017</a:t>
             </a:fld>
             <a:endParaRPr lang="fr-FR"/>
           </a:p>
@@ -415,7 +416,7 @@
           <a:p>
             <a:fld id="{7E1482C9-55F9-4A8C-8F8A-D3B5C15F47E4}" type="datetimeFigureOut">
               <a:rPr lang="fr-FR" smtClean="0"/>
-              <a:t>11/05/2017</a:t>
+              <a:t>14/05/2017</a:t>
             </a:fld>
             <a:endParaRPr lang="fr-FR"/>
           </a:p>
@@ -595,7 +596,7 @@
           <a:p>
             <a:fld id="{7E1482C9-55F9-4A8C-8F8A-D3B5C15F47E4}" type="datetimeFigureOut">
               <a:rPr lang="fr-FR" smtClean="0"/>
-              <a:t>11/05/2017</a:t>
+              <a:t>14/05/2017</a:t>
             </a:fld>
             <a:endParaRPr lang="fr-FR"/>
           </a:p>
@@ -765,7 +766,7 @@
           <a:p>
             <a:fld id="{7E1482C9-55F9-4A8C-8F8A-D3B5C15F47E4}" type="datetimeFigureOut">
               <a:rPr lang="fr-FR" smtClean="0"/>
-              <a:t>11/05/2017</a:t>
+              <a:t>14/05/2017</a:t>
             </a:fld>
             <a:endParaRPr lang="fr-FR"/>
           </a:p>
@@ -1011,7 +1012,7 @@
           <a:p>
             <a:fld id="{7E1482C9-55F9-4A8C-8F8A-D3B5C15F47E4}" type="datetimeFigureOut">
               <a:rPr lang="fr-FR" smtClean="0"/>
-              <a:t>11/05/2017</a:t>
+              <a:t>14/05/2017</a:t>
             </a:fld>
             <a:endParaRPr lang="fr-FR"/>
           </a:p>
@@ -1243,7 +1244,7 @@
           <a:p>
             <a:fld id="{7E1482C9-55F9-4A8C-8F8A-D3B5C15F47E4}" type="datetimeFigureOut">
               <a:rPr lang="fr-FR" smtClean="0"/>
-              <a:t>11/05/2017</a:t>
+              <a:t>14/05/2017</a:t>
             </a:fld>
             <a:endParaRPr lang="fr-FR"/>
           </a:p>
@@ -1610,7 +1611,7 @@
           <a:p>
             <a:fld id="{7E1482C9-55F9-4A8C-8F8A-D3B5C15F47E4}" type="datetimeFigureOut">
               <a:rPr lang="fr-FR" smtClean="0"/>
-              <a:t>11/05/2017</a:t>
+              <a:t>14/05/2017</a:t>
             </a:fld>
             <a:endParaRPr lang="fr-FR"/>
           </a:p>
@@ -1728,7 +1729,7 @@
           <a:p>
             <a:fld id="{7E1482C9-55F9-4A8C-8F8A-D3B5C15F47E4}" type="datetimeFigureOut">
               <a:rPr lang="fr-FR" smtClean="0"/>
-              <a:t>11/05/2017</a:t>
+              <a:t>14/05/2017</a:t>
             </a:fld>
             <a:endParaRPr lang="fr-FR"/>
           </a:p>
@@ -1823,7 +1824,7 @@
           <a:p>
             <a:fld id="{7E1482C9-55F9-4A8C-8F8A-D3B5C15F47E4}" type="datetimeFigureOut">
               <a:rPr lang="fr-FR" smtClean="0"/>
-              <a:t>11/05/2017</a:t>
+              <a:t>14/05/2017</a:t>
             </a:fld>
             <a:endParaRPr lang="fr-FR"/>
           </a:p>
@@ -2100,7 +2101,7 @@
           <a:p>
             <a:fld id="{7E1482C9-55F9-4A8C-8F8A-D3B5C15F47E4}" type="datetimeFigureOut">
               <a:rPr lang="fr-FR" smtClean="0"/>
-              <a:t>11/05/2017</a:t>
+              <a:t>14/05/2017</a:t>
             </a:fld>
             <a:endParaRPr lang="fr-FR"/>
           </a:p>
@@ -2353,7 +2354,7 @@
           <a:p>
             <a:fld id="{7E1482C9-55F9-4A8C-8F8A-D3B5C15F47E4}" type="datetimeFigureOut">
               <a:rPr lang="fr-FR" smtClean="0"/>
-              <a:t>11/05/2017</a:t>
+              <a:t>14/05/2017</a:t>
             </a:fld>
             <a:endParaRPr lang="fr-FR"/>
           </a:p>
@@ -2566,7 +2567,7 @@
           <a:p>
             <a:fld id="{7E1482C9-55F9-4A8C-8F8A-D3B5C15F47E4}" type="datetimeFigureOut">
               <a:rPr lang="fr-FR" smtClean="0"/>
-              <a:t>11/05/2017</a:t>
+              <a:t>14/05/2017</a:t>
             </a:fld>
             <a:endParaRPr lang="fr-FR"/>
           </a:p>
@@ -7385,6 +7386,714 @@
 </p:sld>
 </file>
 
+<file path=ppt/slides/slide4.xml><?xml version="1.0" encoding="utf-8"?>
+<p:sld xmlns:a="http://schemas.openxmlformats.org/drawingml/2006/main" xmlns:r="http://schemas.openxmlformats.org/officeDocument/2006/relationships" xmlns:p="http://schemas.openxmlformats.org/presentationml/2006/main">
+  <p:cSld>
+    <p:spTree>
+      <p:nvGrpSpPr>
+        <p:cNvPr id="1" name=""/>
+        <p:cNvGrpSpPr/>
+        <p:nvPr/>
+      </p:nvGrpSpPr>
+      <p:grpSpPr>
+        <a:xfrm>
+          <a:off x="0" y="0"/>
+          <a:ext cx="0" cy="0"/>
+          <a:chOff x="0" y="0"/>
+          <a:chExt cx="0" cy="0"/>
+        </a:xfrm>
+      </p:grpSpPr>
+      <p:sp>
+        <p:nvSpPr>
+          <p:cNvPr id="5" name="Rectangle 4"/>
+          <p:cNvSpPr/>
+          <p:nvPr/>
+        </p:nvSpPr>
+        <p:spPr>
+          <a:xfrm>
+            <a:off x="1958273" y="1666958"/>
+            <a:ext cx="6983426" cy="2006824"/>
+          </a:xfrm>
+          <a:prstGeom prst="rect">
+            <a:avLst/>
+          </a:prstGeom>
+        </p:spPr>
+        <p:style>
+          <a:lnRef idx="1">
+            <a:schemeClr val="accent5"/>
+          </a:lnRef>
+          <a:fillRef idx="2">
+            <a:schemeClr val="accent5"/>
+          </a:fillRef>
+          <a:effectRef idx="1">
+            <a:schemeClr val="accent5"/>
+          </a:effectRef>
+          <a:fontRef idx="minor">
+            <a:schemeClr val="dk1"/>
+          </a:fontRef>
+        </p:style>
+        <p:txBody>
+          <a:bodyPr rtlCol="0" anchor="ctr"/>
+          <a:lstStyle/>
+          <a:p>
+            <a:pPr algn="ctr"/>
+            <a:endParaRPr lang="fr-FR"/>
+          </a:p>
+        </p:txBody>
+      </p:sp>
+      <p:sp>
+        <p:nvSpPr>
+          <p:cNvPr id="6" name="Rectangle 5"/>
+          <p:cNvSpPr/>
+          <p:nvPr/>
+        </p:nvSpPr>
+        <p:spPr>
+          <a:xfrm>
+            <a:off x="1958273" y="2010870"/>
+            <a:ext cx="5211270" cy="1319002"/>
+          </a:xfrm>
+          <a:prstGeom prst="rect">
+            <a:avLst/>
+          </a:prstGeom>
+        </p:spPr>
+        <p:style>
+          <a:lnRef idx="1">
+            <a:schemeClr val="accent2"/>
+          </a:lnRef>
+          <a:fillRef idx="2">
+            <a:schemeClr val="accent2"/>
+          </a:fillRef>
+          <a:effectRef idx="1">
+            <a:schemeClr val="accent2"/>
+          </a:effectRef>
+          <a:fontRef idx="minor">
+            <a:schemeClr val="dk1"/>
+          </a:fontRef>
+        </p:style>
+        <p:txBody>
+          <a:bodyPr rtlCol="0" anchor="ctr"/>
+          <a:lstStyle/>
+          <a:p>
+            <a:pPr algn="ctr"/>
+            <a:endParaRPr lang="fr-FR"/>
+          </a:p>
+        </p:txBody>
+      </p:sp>
+      <p:sp>
+        <p:nvSpPr>
+          <p:cNvPr id="7" name="Rectangle 6"/>
+          <p:cNvSpPr/>
+          <p:nvPr/>
+        </p:nvSpPr>
+        <p:spPr>
+          <a:xfrm>
+            <a:off x="1958273" y="2330505"/>
+            <a:ext cx="2354782" cy="679731"/>
+          </a:xfrm>
+          <a:prstGeom prst="rect">
+            <a:avLst/>
+          </a:prstGeom>
+        </p:spPr>
+        <p:style>
+          <a:lnRef idx="1">
+            <a:schemeClr val="accent3"/>
+          </a:lnRef>
+          <a:fillRef idx="2">
+            <a:schemeClr val="accent3"/>
+          </a:fillRef>
+          <a:effectRef idx="1">
+            <a:schemeClr val="accent3"/>
+          </a:effectRef>
+          <a:fontRef idx="minor">
+            <a:schemeClr val="dk1"/>
+          </a:fontRef>
+        </p:style>
+        <p:txBody>
+          <a:bodyPr rtlCol="0" anchor="ctr"/>
+          <a:lstStyle/>
+          <a:p>
+            <a:pPr algn="ctr"/>
+            <a:endParaRPr lang="fr-FR"/>
+          </a:p>
+        </p:txBody>
+      </p:sp>
+      <p:sp>
+        <p:nvSpPr>
+          <p:cNvPr id="4" name="Rectangle 3"/>
+          <p:cNvSpPr/>
+          <p:nvPr/>
+        </p:nvSpPr>
+        <p:spPr>
+          <a:xfrm>
+            <a:off x="1982320" y="2489646"/>
+            <a:ext cx="1998732" cy="339865"/>
+          </a:xfrm>
+          <a:prstGeom prst="rect">
+            <a:avLst/>
+          </a:prstGeom>
+          <a:solidFill>
+            <a:schemeClr val="bg1"/>
+          </a:solidFill>
+          <a:ln>
+            <a:solidFill>
+              <a:schemeClr val="tx1"/>
+            </a:solidFill>
+          </a:ln>
+        </p:spPr>
+        <p:style>
+          <a:lnRef idx="2">
+            <a:schemeClr val="accent1">
+              <a:shade val="50000"/>
+            </a:schemeClr>
+          </a:lnRef>
+          <a:fillRef idx="1">
+            <a:schemeClr val="accent1"/>
+          </a:fillRef>
+          <a:effectRef idx="0">
+            <a:schemeClr val="accent1"/>
+          </a:effectRef>
+          <a:fontRef idx="minor">
+            <a:schemeClr val="lt1"/>
+          </a:fontRef>
+        </p:style>
+        <p:txBody>
+          <a:bodyPr rtlCol="0" anchor="ctr"/>
+          <a:lstStyle/>
+          <a:p>
+            <a:pPr algn="ctr"/>
+            <a:r>
+              <a:rPr lang="fr-FR" i="1" dirty="0" smtClean="0">
+                <a:solidFill>
+                  <a:schemeClr val="tx1"/>
+                </a:solidFill>
+              </a:rPr>
+              <a:t>Piste</a:t>
+            </a:r>
+            <a:endParaRPr lang="fr-FR" i="1" dirty="0">
+              <a:solidFill>
+                <a:schemeClr val="tx1"/>
+              </a:solidFill>
+            </a:endParaRPr>
+          </a:p>
+        </p:txBody>
+      </p:sp>
+      <p:sp>
+        <p:nvSpPr>
+          <p:cNvPr id="8" name="Rectangle 7"/>
+          <p:cNvSpPr/>
+          <p:nvPr/>
+        </p:nvSpPr>
+        <p:spPr>
+          <a:xfrm>
+            <a:off x="857756" y="1666958"/>
+            <a:ext cx="1100517" cy="2006824"/>
+          </a:xfrm>
+          <a:prstGeom prst="rect">
+            <a:avLst/>
+          </a:prstGeom>
+        </p:spPr>
+        <p:style>
+          <a:lnRef idx="1">
+            <a:schemeClr val="dk1"/>
+          </a:lnRef>
+          <a:fillRef idx="2">
+            <a:schemeClr val="dk1"/>
+          </a:fillRef>
+          <a:effectRef idx="1">
+            <a:schemeClr val="dk1"/>
+          </a:effectRef>
+          <a:fontRef idx="minor">
+            <a:schemeClr val="dk1"/>
+          </a:fontRef>
+        </p:style>
+        <p:txBody>
+          <a:bodyPr rtlCol="0" anchor="ctr"/>
+          <a:lstStyle/>
+          <a:p>
+            <a:pPr algn="ctr"/>
+            <a:r>
+              <a:rPr lang="fr-FR" dirty="0" err="1" smtClean="0"/>
+              <a:t>Missed</a:t>
+            </a:r>
+            <a:r>
+              <a:rPr lang="fr-FR" dirty="0" smtClean="0"/>
+              <a:t> </a:t>
+            </a:r>
+            <a:r>
+              <a:rPr lang="fr-FR" dirty="0" err="1" smtClean="0"/>
+              <a:t>approach</a:t>
+            </a:r>
+            <a:endParaRPr lang="fr-FR" dirty="0" smtClean="0"/>
+          </a:p>
+        </p:txBody>
+      </p:sp>
+      <p:sp>
+        <p:nvSpPr>
+          <p:cNvPr id="11" name="Ellipse 10"/>
+          <p:cNvSpPr/>
+          <p:nvPr/>
+        </p:nvSpPr>
+        <p:spPr>
+          <a:xfrm>
+            <a:off x="4260456" y="2614400"/>
+            <a:ext cx="105197" cy="111940"/>
+          </a:xfrm>
+          <a:prstGeom prst="ellipse">
+            <a:avLst/>
+          </a:prstGeom>
+          <a:solidFill>
+            <a:schemeClr val="tx1"/>
+          </a:solidFill>
+          <a:ln>
+            <a:solidFill>
+              <a:schemeClr val="tx1"/>
+            </a:solidFill>
+          </a:ln>
+        </p:spPr>
+        <p:style>
+          <a:lnRef idx="2">
+            <a:schemeClr val="accent1">
+              <a:shade val="50000"/>
+            </a:schemeClr>
+          </a:lnRef>
+          <a:fillRef idx="1">
+            <a:schemeClr val="accent1"/>
+          </a:fillRef>
+          <a:effectRef idx="0">
+            <a:schemeClr val="accent1"/>
+          </a:effectRef>
+          <a:fontRef idx="minor">
+            <a:schemeClr val="lt1"/>
+          </a:fontRef>
+        </p:style>
+        <p:txBody>
+          <a:bodyPr rtlCol="0" anchor="ctr"/>
+          <a:lstStyle/>
+          <a:p>
+            <a:pPr algn="ctr"/>
+            <a:endParaRPr lang="fr-FR"/>
+          </a:p>
+        </p:txBody>
+      </p:sp>
+      <p:sp>
+        <p:nvSpPr>
+          <p:cNvPr id="12" name="Ellipse 11"/>
+          <p:cNvSpPr/>
+          <p:nvPr/>
+        </p:nvSpPr>
+        <p:spPr>
+          <a:xfrm>
+            <a:off x="7116944" y="2603609"/>
+            <a:ext cx="105197" cy="111940"/>
+          </a:xfrm>
+          <a:prstGeom prst="ellipse">
+            <a:avLst/>
+          </a:prstGeom>
+          <a:solidFill>
+            <a:schemeClr val="tx1"/>
+          </a:solidFill>
+          <a:ln>
+            <a:solidFill>
+              <a:schemeClr val="tx1"/>
+            </a:solidFill>
+          </a:ln>
+        </p:spPr>
+        <p:style>
+          <a:lnRef idx="2">
+            <a:schemeClr val="accent1">
+              <a:shade val="50000"/>
+            </a:schemeClr>
+          </a:lnRef>
+          <a:fillRef idx="1">
+            <a:schemeClr val="accent1"/>
+          </a:fillRef>
+          <a:effectRef idx="0">
+            <a:schemeClr val="accent1"/>
+          </a:effectRef>
+          <a:fontRef idx="minor">
+            <a:schemeClr val="lt1"/>
+          </a:fontRef>
+        </p:style>
+        <p:txBody>
+          <a:bodyPr rtlCol="0" anchor="ctr"/>
+          <a:lstStyle/>
+          <a:p>
+            <a:pPr algn="ctr"/>
+            <a:endParaRPr lang="fr-FR"/>
+          </a:p>
+        </p:txBody>
+      </p:sp>
+      <p:sp>
+        <p:nvSpPr>
+          <p:cNvPr id="13" name="Ellipse 12"/>
+          <p:cNvSpPr/>
+          <p:nvPr/>
+        </p:nvSpPr>
+        <p:spPr>
+          <a:xfrm>
+            <a:off x="8889100" y="2603609"/>
+            <a:ext cx="105197" cy="111940"/>
+          </a:xfrm>
+          <a:prstGeom prst="ellipse">
+            <a:avLst/>
+          </a:prstGeom>
+          <a:solidFill>
+            <a:schemeClr val="tx1"/>
+          </a:solidFill>
+          <a:ln>
+            <a:solidFill>
+              <a:schemeClr val="tx1"/>
+            </a:solidFill>
+          </a:ln>
+        </p:spPr>
+        <p:style>
+          <a:lnRef idx="2">
+            <a:schemeClr val="accent1">
+              <a:shade val="50000"/>
+            </a:schemeClr>
+          </a:lnRef>
+          <a:fillRef idx="1">
+            <a:schemeClr val="accent1"/>
+          </a:fillRef>
+          <a:effectRef idx="0">
+            <a:schemeClr val="accent1"/>
+          </a:effectRef>
+          <a:fontRef idx="minor">
+            <a:schemeClr val="lt1"/>
+          </a:fontRef>
+        </p:style>
+        <p:txBody>
+          <a:bodyPr rtlCol="0" anchor="ctr"/>
+          <a:lstStyle/>
+          <a:p>
+            <a:pPr algn="ctr"/>
+            <a:endParaRPr lang="fr-FR"/>
+          </a:p>
+        </p:txBody>
+      </p:sp>
+      <p:sp>
+        <p:nvSpPr>
+          <p:cNvPr id="14" name="ZoneTexte 13"/>
+          <p:cNvSpPr txBox="1"/>
+          <p:nvPr/>
+        </p:nvSpPr>
+        <p:spPr>
+          <a:xfrm>
+            <a:off x="8512434" y="2068895"/>
+            <a:ext cx="963725" cy="261610"/>
+          </a:xfrm>
+          <a:prstGeom prst="rect">
+            <a:avLst/>
+          </a:prstGeom>
+          <a:noFill/>
+        </p:spPr>
+        <p:txBody>
+          <a:bodyPr wrap="none" rtlCol="0">
+            <a:spAutoFit/>
+          </a:bodyPr>
+          <a:lstStyle/>
+          <a:p>
+            <a:r>
+              <a:rPr lang="fr-FR" sz="1100" dirty="0" err="1" smtClean="0"/>
+              <a:t>Outer</a:t>
+            </a:r>
+            <a:r>
+              <a:rPr lang="fr-FR" sz="1100" dirty="0" smtClean="0"/>
+              <a:t> marker</a:t>
+            </a:r>
+          </a:p>
+        </p:txBody>
+      </p:sp>
+      <p:sp>
+        <p:nvSpPr>
+          <p:cNvPr id="15" name="ZoneTexte 14"/>
+          <p:cNvSpPr txBox="1"/>
+          <p:nvPr/>
+        </p:nvSpPr>
+        <p:spPr>
+          <a:xfrm>
+            <a:off x="3899018" y="2813360"/>
+            <a:ext cx="933269" cy="261610"/>
+          </a:xfrm>
+          <a:prstGeom prst="rect">
+            <a:avLst/>
+          </a:prstGeom>
+          <a:noFill/>
+        </p:spPr>
+        <p:txBody>
+          <a:bodyPr wrap="none" rtlCol="0">
+            <a:spAutoFit/>
+          </a:bodyPr>
+          <a:lstStyle/>
+          <a:p>
+            <a:r>
+              <a:rPr lang="fr-FR" sz="1100" dirty="0" err="1" smtClean="0"/>
+              <a:t>Inner</a:t>
+            </a:r>
+            <a:r>
+              <a:rPr lang="fr-FR" sz="1100" dirty="0" smtClean="0"/>
+              <a:t> marker</a:t>
+            </a:r>
+          </a:p>
+        </p:txBody>
+      </p:sp>
+      <p:sp>
+        <p:nvSpPr>
+          <p:cNvPr id="16" name="ZoneTexte 15"/>
+          <p:cNvSpPr txBox="1"/>
+          <p:nvPr/>
+        </p:nvSpPr>
+        <p:spPr>
+          <a:xfrm>
+            <a:off x="6679515" y="2259699"/>
+            <a:ext cx="1032655" cy="261610"/>
+          </a:xfrm>
+          <a:prstGeom prst="rect">
+            <a:avLst/>
+          </a:prstGeom>
+          <a:noFill/>
+        </p:spPr>
+        <p:txBody>
+          <a:bodyPr wrap="none" rtlCol="0">
+            <a:spAutoFit/>
+          </a:bodyPr>
+          <a:lstStyle/>
+          <a:p>
+            <a:r>
+              <a:rPr lang="fr-FR" sz="1100" dirty="0" smtClean="0"/>
+              <a:t>Middle marker</a:t>
+            </a:r>
+          </a:p>
+        </p:txBody>
+      </p:sp>
+      <p:sp>
+        <p:nvSpPr>
+          <p:cNvPr id="17" name="Ellipse 16"/>
+          <p:cNvSpPr/>
+          <p:nvPr/>
+        </p:nvSpPr>
+        <p:spPr>
+          <a:xfrm>
+            <a:off x="1918273" y="2603608"/>
+            <a:ext cx="105197" cy="111940"/>
+          </a:xfrm>
+          <a:prstGeom prst="ellipse">
+            <a:avLst/>
+          </a:prstGeom>
+          <a:solidFill>
+            <a:schemeClr val="tx1"/>
+          </a:solidFill>
+          <a:ln>
+            <a:solidFill>
+              <a:schemeClr val="tx1"/>
+            </a:solidFill>
+          </a:ln>
+        </p:spPr>
+        <p:style>
+          <a:lnRef idx="2">
+            <a:schemeClr val="accent1">
+              <a:shade val="50000"/>
+            </a:schemeClr>
+          </a:lnRef>
+          <a:fillRef idx="1">
+            <a:schemeClr val="accent1"/>
+          </a:fillRef>
+          <a:effectRef idx="0">
+            <a:schemeClr val="accent1"/>
+          </a:effectRef>
+          <a:fontRef idx="minor">
+            <a:schemeClr val="lt1"/>
+          </a:fontRef>
+        </p:style>
+        <p:txBody>
+          <a:bodyPr rtlCol="0" anchor="ctr"/>
+          <a:lstStyle/>
+          <a:p>
+            <a:pPr algn="ctr"/>
+            <a:endParaRPr lang="fr-FR"/>
+          </a:p>
+        </p:txBody>
+      </p:sp>
+      <p:cxnSp>
+        <p:nvCxnSpPr>
+          <p:cNvPr id="19" name="Connecteur droit avec flèche 18"/>
+          <p:cNvCxnSpPr>
+            <a:stCxn id="17" idx="6"/>
+          </p:cNvCxnSpPr>
+          <p:nvPr/>
+        </p:nvCxnSpPr>
+        <p:spPr>
+          <a:xfrm>
+            <a:off x="2023470" y="2659578"/>
+            <a:ext cx="7533224" cy="0"/>
+          </a:xfrm>
+          <a:prstGeom prst="straightConnector1">
+            <a:avLst/>
+          </a:prstGeom>
+          <a:ln>
+            <a:tailEnd type="triangle"/>
+          </a:ln>
+        </p:spPr>
+        <p:style>
+          <a:lnRef idx="3">
+            <a:schemeClr val="dk1"/>
+          </a:lnRef>
+          <a:fillRef idx="0">
+            <a:schemeClr val="dk1"/>
+          </a:fillRef>
+          <a:effectRef idx="2">
+            <a:schemeClr val="dk1"/>
+          </a:effectRef>
+          <a:fontRef idx="minor">
+            <a:schemeClr val="tx1"/>
+          </a:fontRef>
+        </p:style>
+      </p:cxnSp>
+      <p:cxnSp>
+        <p:nvCxnSpPr>
+          <p:cNvPr id="21" name="Connecteur droit avec flèche 20"/>
+          <p:cNvCxnSpPr/>
+          <p:nvPr/>
+        </p:nvCxnSpPr>
+        <p:spPr>
+          <a:xfrm>
+            <a:off x="8253876" y="1780248"/>
+            <a:ext cx="0" cy="741061"/>
+          </a:xfrm>
+          <a:prstGeom prst="straightConnector1">
+            <a:avLst/>
+          </a:prstGeom>
+          <a:ln>
+            <a:headEnd type="triangle"/>
+            <a:tailEnd type="triangle"/>
+          </a:ln>
+        </p:spPr>
+        <p:style>
+          <a:lnRef idx="3">
+            <a:schemeClr val="dk1"/>
+          </a:lnRef>
+          <a:fillRef idx="0">
+            <a:schemeClr val="dk1"/>
+          </a:fillRef>
+          <a:effectRef idx="2">
+            <a:schemeClr val="dk1"/>
+          </a:effectRef>
+          <a:fontRef idx="minor">
+            <a:schemeClr val="tx1"/>
+          </a:fontRef>
+        </p:style>
+      </p:cxnSp>
+      <p:cxnSp>
+        <p:nvCxnSpPr>
+          <p:cNvPr id="22" name="Connecteur droit avec flèche 21"/>
+          <p:cNvCxnSpPr/>
+          <p:nvPr/>
+        </p:nvCxnSpPr>
+        <p:spPr>
+          <a:xfrm flipH="1">
+            <a:off x="6318531" y="2068895"/>
+            <a:ext cx="1349" cy="534713"/>
+          </a:xfrm>
+          <a:prstGeom prst="straightConnector1">
+            <a:avLst/>
+          </a:prstGeom>
+          <a:ln>
+            <a:headEnd type="triangle"/>
+            <a:tailEnd type="triangle"/>
+          </a:ln>
+        </p:spPr>
+        <p:style>
+          <a:lnRef idx="3">
+            <a:schemeClr val="dk1"/>
+          </a:lnRef>
+          <a:fillRef idx="0">
+            <a:schemeClr val="dk1"/>
+          </a:fillRef>
+          <a:effectRef idx="2">
+            <a:schemeClr val="dk1"/>
+          </a:effectRef>
+          <a:fontRef idx="minor">
+            <a:schemeClr val="tx1"/>
+          </a:fontRef>
+        </p:style>
+      </p:cxnSp>
+      <p:cxnSp>
+        <p:nvCxnSpPr>
+          <p:cNvPr id="23" name="Connecteur droit avec flèche 22"/>
+          <p:cNvCxnSpPr/>
+          <p:nvPr/>
+        </p:nvCxnSpPr>
+        <p:spPr>
+          <a:xfrm>
+            <a:off x="4135705" y="2339274"/>
+            <a:ext cx="5394" cy="273102"/>
+          </a:xfrm>
+          <a:prstGeom prst="straightConnector1">
+            <a:avLst/>
+          </a:prstGeom>
+          <a:ln>
+            <a:headEnd type="triangle"/>
+            <a:tailEnd type="triangle"/>
+          </a:ln>
+        </p:spPr>
+        <p:style>
+          <a:lnRef idx="3">
+            <a:schemeClr val="dk1"/>
+          </a:lnRef>
+          <a:fillRef idx="0">
+            <a:schemeClr val="dk1"/>
+          </a:fillRef>
+          <a:effectRef idx="2">
+            <a:schemeClr val="dk1"/>
+          </a:effectRef>
+          <a:fontRef idx="minor">
+            <a:schemeClr val="tx1"/>
+          </a:fontRef>
+        </p:style>
+      </p:cxnSp>
+      <p:sp>
+        <p:nvSpPr>
+          <p:cNvPr id="26" name="ZoneTexte 25"/>
+          <p:cNvSpPr txBox="1"/>
+          <p:nvPr/>
+        </p:nvSpPr>
+        <p:spPr>
+          <a:xfrm>
+            <a:off x="7776014" y="1850785"/>
+            <a:ext cx="494046" cy="276999"/>
+          </a:xfrm>
+          <a:prstGeom prst="rect">
+            <a:avLst/>
+          </a:prstGeom>
+          <a:noFill/>
+        </p:spPr>
+        <p:txBody>
+          <a:bodyPr wrap="none" rtlCol="0">
+            <a:spAutoFit/>
+          </a:bodyPr>
+          <a:lstStyle/>
+          <a:p>
+            <a:r>
+              <a:rPr lang="fr-FR" sz="1200" dirty="0" smtClean="0"/>
+              <a:t>X km</a:t>
+            </a:r>
+            <a:endParaRPr lang="fr-FR" sz="1200" dirty="0"/>
+          </a:p>
+        </p:txBody>
+      </p:sp>
+    </p:spTree>
+    <p:extLst>
+      <p:ext uri="{BB962C8B-B14F-4D97-AF65-F5344CB8AC3E}">
+        <p14:creationId xmlns:p14="http://schemas.microsoft.com/office/powerpoint/2010/main" val="2023142155"/>
+      </p:ext>
+    </p:extLst>
+  </p:cSld>
+  <p:clrMapOvr>
+    <a:masterClrMapping/>
+  </p:clrMapOvr>
+</p:sld>
+</file>
+
 <file path=ppt/theme/theme1.xml><?xml version="1.0" encoding="utf-8"?>
 <a:theme xmlns:a="http://schemas.openxmlformats.org/drawingml/2006/main" name="Thème Office">
   <a:themeElements>

--- a/Présentation1.pptx
+++ b/Présentation1.pptx
@@ -246,7 +246,7 @@
           <a:p>
             <a:fld id="{7E1482C9-55F9-4A8C-8F8A-D3B5C15F47E4}" type="datetimeFigureOut">
               <a:rPr lang="fr-FR" smtClean="0"/>
-              <a:t>14/05/2017</a:t>
+              <a:t>16/06/2017</a:t>
             </a:fld>
             <a:endParaRPr lang="fr-FR"/>
           </a:p>
@@ -416,7 +416,7 @@
           <a:p>
             <a:fld id="{7E1482C9-55F9-4A8C-8F8A-D3B5C15F47E4}" type="datetimeFigureOut">
               <a:rPr lang="fr-FR" smtClean="0"/>
-              <a:t>14/05/2017</a:t>
+              <a:t>16/06/2017</a:t>
             </a:fld>
             <a:endParaRPr lang="fr-FR"/>
           </a:p>
@@ -596,7 +596,7 @@
           <a:p>
             <a:fld id="{7E1482C9-55F9-4A8C-8F8A-D3B5C15F47E4}" type="datetimeFigureOut">
               <a:rPr lang="fr-FR" smtClean="0"/>
-              <a:t>14/05/2017</a:t>
+              <a:t>16/06/2017</a:t>
             </a:fld>
             <a:endParaRPr lang="fr-FR"/>
           </a:p>
@@ -766,7 +766,7 @@
           <a:p>
             <a:fld id="{7E1482C9-55F9-4A8C-8F8A-D3B5C15F47E4}" type="datetimeFigureOut">
               <a:rPr lang="fr-FR" smtClean="0"/>
-              <a:t>14/05/2017</a:t>
+              <a:t>16/06/2017</a:t>
             </a:fld>
             <a:endParaRPr lang="fr-FR"/>
           </a:p>
@@ -1012,7 +1012,7 @@
           <a:p>
             <a:fld id="{7E1482C9-55F9-4A8C-8F8A-D3B5C15F47E4}" type="datetimeFigureOut">
               <a:rPr lang="fr-FR" smtClean="0"/>
-              <a:t>14/05/2017</a:t>
+              <a:t>16/06/2017</a:t>
             </a:fld>
             <a:endParaRPr lang="fr-FR"/>
           </a:p>
@@ -1244,7 +1244,7 @@
           <a:p>
             <a:fld id="{7E1482C9-55F9-4A8C-8F8A-D3B5C15F47E4}" type="datetimeFigureOut">
               <a:rPr lang="fr-FR" smtClean="0"/>
-              <a:t>14/05/2017</a:t>
+              <a:t>16/06/2017</a:t>
             </a:fld>
             <a:endParaRPr lang="fr-FR"/>
           </a:p>
@@ -1611,7 +1611,7 @@
           <a:p>
             <a:fld id="{7E1482C9-55F9-4A8C-8F8A-D3B5C15F47E4}" type="datetimeFigureOut">
               <a:rPr lang="fr-FR" smtClean="0"/>
-              <a:t>14/05/2017</a:t>
+              <a:t>16/06/2017</a:t>
             </a:fld>
             <a:endParaRPr lang="fr-FR"/>
           </a:p>
@@ -1729,7 +1729,7 @@
           <a:p>
             <a:fld id="{7E1482C9-55F9-4A8C-8F8A-D3B5C15F47E4}" type="datetimeFigureOut">
               <a:rPr lang="fr-FR" smtClean="0"/>
-              <a:t>14/05/2017</a:t>
+              <a:t>16/06/2017</a:t>
             </a:fld>
             <a:endParaRPr lang="fr-FR"/>
           </a:p>
@@ -1824,7 +1824,7 @@
           <a:p>
             <a:fld id="{7E1482C9-55F9-4A8C-8F8A-D3B5C15F47E4}" type="datetimeFigureOut">
               <a:rPr lang="fr-FR" smtClean="0"/>
-              <a:t>14/05/2017</a:t>
+              <a:t>16/06/2017</a:t>
             </a:fld>
             <a:endParaRPr lang="fr-FR"/>
           </a:p>
@@ -2101,7 +2101,7 @@
           <a:p>
             <a:fld id="{7E1482C9-55F9-4A8C-8F8A-D3B5C15F47E4}" type="datetimeFigureOut">
               <a:rPr lang="fr-FR" smtClean="0"/>
-              <a:t>14/05/2017</a:t>
+              <a:t>16/06/2017</a:t>
             </a:fld>
             <a:endParaRPr lang="fr-FR"/>
           </a:p>
@@ -2354,7 +2354,7 @@
           <a:p>
             <a:fld id="{7E1482C9-55F9-4A8C-8F8A-D3B5C15F47E4}" type="datetimeFigureOut">
               <a:rPr lang="fr-FR" smtClean="0"/>
-              <a:t>14/05/2017</a:t>
+              <a:t>16/06/2017</a:t>
             </a:fld>
             <a:endParaRPr lang="fr-FR"/>
           </a:p>
@@ -2567,7 +2567,7 @@
           <a:p>
             <a:fld id="{7E1482C9-55F9-4A8C-8F8A-D3B5C15F47E4}" type="datetimeFigureOut">
               <a:rPr lang="fr-FR" smtClean="0"/>
-              <a:t>14/05/2017</a:t>
+              <a:t>16/06/2017</a:t>
             </a:fld>
             <a:endParaRPr lang="fr-FR"/>
           </a:p>
@@ -4260,7 +4260,7 @@
         <p:spPr>
           <a:xfrm>
             <a:off x="3816136" y="3374701"/>
-            <a:ext cx="2032544" cy="646331"/>
+            <a:ext cx="1955664" cy="646331"/>
           </a:xfrm>
           <a:prstGeom prst="rect">
             <a:avLst/>
@@ -4275,7 +4275,11 @@
           <a:p>
             <a:r>
               <a:rPr lang="fr-FR" sz="1200" dirty="0" smtClean="0"/>
-              <a:t>Transforme Java en JavaScript</a:t>
+              <a:t>Interprète Java </a:t>
+            </a:r>
+            <a:r>
+              <a:rPr lang="fr-FR" sz="1200" dirty="0" smtClean="0"/>
+              <a:t>en JavaScript</a:t>
             </a:r>
           </a:p>
           <a:p>
@@ -4441,7 +4445,7 @@
         </p:nvSpPr>
         <p:spPr>
           <a:xfrm>
-            <a:off x="9993686" y="3656330"/>
+            <a:off x="10296582" y="3600272"/>
             <a:ext cx="959815" cy="646331"/>
           </a:xfrm>
           <a:prstGeom prst="rect">
@@ -7213,8 +7217,8 @@
         </p:nvSpPr>
         <p:spPr>
           <a:xfrm>
-            <a:off x="7059629" y="4303552"/>
-            <a:ext cx="1909721" cy="1746550"/>
+            <a:off x="6787965" y="4303552"/>
+            <a:ext cx="1561763" cy="1746550"/>
           </a:xfrm>
           <a:prstGeom prst="rect">
             <a:avLst/>
@@ -7270,7 +7274,7 @@
         </p:blipFill>
         <p:spPr>
           <a:xfrm rot="18452669">
-            <a:off x="7576078" y="4345065"/>
+            <a:off x="6923797" y="4441064"/>
             <a:ext cx="894739" cy="894739"/>
           </a:xfrm>
           <a:prstGeom prst="rect">
@@ -7286,7 +7290,7 @@
         </p:nvSpPr>
         <p:spPr>
           <a:xfrm>
-            <a:off x="7059629" y="4067273"/>
+            <a:off x="6745387" y="4044071"/>
             <a:ext cx="544380" cy="307777"/>
           </a:xfrm>
           <a:prstGeom prst="rect">
@@ -7315,8 +7319,8 @@
         </p:nvCxnSpPr>
         <p:spPr>
           <a:xfrm flipV="1">
-            <a:off x="8349728" y="5015412"/>
-            <a:ext cx="1514463" cy="15484"/>
+            <a:off x="7900152" y="5007670"/>
+            <a:ext cx="1055147" cy="15484"/>
           </a:xfrm>
           <a:prstGeom prst="straightConnector1">
             <a:avLst/>
@@ -7351,7 +7355,7 @@
         </p:nvSpPr>
         <p:spPr>
           <a:xfrm>
-            <a:off x="8955299" y="4774870"/>
+            <a:off x="8395129" y="4697520"/>
             <a:ext cx="367601" cy="276999"/>
           </a:xfrm>
           <a:prstGeom prst="rect">
